--- a/docs/LIMEaid_Final.pptx
+++ b/docs/LIMEaid_Final.pptx
@@ -23929,6 +23929,36 @@
           <a:chExt cx="0" cy="0"/>
         </a:xfrm>
       </p:grpSpPr>
+      <p:pic>
+        <p:nvPicPr>
+          <p:cNvPr id="5" name="Picture 4" descr="A screenshot of a cell phone&#10;&#10;Description automatically generated">
+            <a:extLst>
+              <a:ext uri="{FF2B5EF4-FFF2-40B4-BE49-F238E27FC236}">
+                <a16:creationId xmlns:a16="http://schemas.microsoft.com/office/drawing/2014/main" id="{E9B30851-92C6-284F-B539-3D6B91FEE856}"/>
+              </a:ext>
+            </a:extLst>
+          </p:cNvPr>
+          <p:cNvPicPr>
+            <a:picLocks noChangeAspect="1"/>
+          </p:cNvPicPr>
+          <p:nvPr/>
+        </p:nvPicPr>
+        <p:blipFill>
+          <a:blip r:embed="rId2"/>
+          <a:stretch>
+            <a:fillRect/>
+          </a:stretch>
+        </p:blipFill>
+        <p:spPr>
+          <a:xfrm>
+            <a:off x="5608637" y="1782474"/>
+            <a:ext cx="5842000" cy="4025900"/>
+          </a:xfrm>
+          <a:prstGeom prst="rect">
+            <a:avLst/>
+          </a:prstGeom>
+        </p:spPr>
+      </p:pic>
       <p:sp>
         <p:nvSpPr>
           <p:cNvPr id="2" name="Title 1">
@@ -23956,7 +23986,7 @@
             </a:r>
             <a:r>
               <a:rPr lang="en-US" dirty="0"/>
-              <a:t>: Our LIME solution for tabular data</a:t>
+              <a:t>: A LIME solution for tabular data</a:t>
             </a:r>
           </a:p>
         </p:txBody>
@@ -23977,12 +24007,136 @@
             <p:ph type="body" sz="quarter" idx="11"/>
           </p:nvPr>
         </p:nvSpPr>
-        <p:spPr/>
+        <p:spPr>
+          <a:xfrm>
+            <a:off x="274639" y="1212849"/>
+            <a:ext cx="11889564" cy="4789003"/>
+          </a:xfrm>
+        </p:spPr>
         <p:txBody>
           <a:bodyPr/>
           <a:lstStyle/>
           <a:p>
-            <a:endParaRPr lang="en-US" dirty="0"/>
+            <a:r>
+              <a:rPr lang="en-US" sz="2800" b="1" dirty="0" err="1"/>
+              <a:t>LIMEaid</a:t>
+            </a:r>
+            <a:r>
+              <a:rPr lang="en-US" sz="2800" b="1" dirty="0"/>
+              <a:t> explanations</a:t>
+            </a:r>
+          </a:p>
+          <a:p>
+            <a:endParaRPr lang="en-US" sz="2000" dirty="0"/>
+          </a:p>
+          <a:p>
+            <a:r>
+              <a:rPr lang="en-US" sz="2000" b="1" dirty="0"/>
+              <a:t>Input</a:t>
+            </a:r>
+          </a:p>
+          <a:p>
+            <a:pPr marL="342900" indent="-342900">
+              <a:buFont typeface="Arial" panose="020B0604020202020204" pitchFamily="34" charset="0"/>
+              <a:buChar char="•"/>
+            </a:pPr>
+            <a:r>
+              <a:rPr lang="en-US" sz="2000" dirty="0"/>
+              <a:t>A “complex” ML model, fit by </a:t>
+            </a:r>
+            <a:r>
+              <a:rPr lang="en-US" sz="2000" dirty="0" err="1"/>
+              <a:t>sklearn</a:t>
+            </a:r>
+            <a:r>
+              <a:rPr lang="en-US" sz="2000" dirty="0"/>
+              <a:t> classifier object with .predict</a:t>
+            </a:r>
+          </a:p>
+          <a:p>
+            <a:pPr marL="342900" indent="-342900">
+              <a:buFont typeface="Arial" panose="020B0604020202020204" pitchFamily="34" charset="0"/>
+              <a:buChar char="•"/>
+            </a:pPr>
+            <a:r>
+              <a:rPr lang="en-US" sz="2000" dirty="0"/>
+              <a:t>An instance of data (</a:t>
+            </a:r>
+            <a:r>
+              <a:rPr lang="en-US" sz="2000" i="1" dirty="0"/>
+              <a:t>x</a:t>
+            </a:r>
+            <a:r>
+              <a:rPr lang="en-US" sz="2000" dirty="0"/>
+              <a:t>) and its model output (</a:t>
+            </a:r>
+            <a:r>
+              <a:rPr lang="en-US" sz="2000" i="1" dirty="0"/>
+              <a:t>f(x)</a:t>
+            </a:r>
+            <a:r>
+              <a:rPr lang="en-US" sz="2000" dirty="0"/>
+              <a:t>)</a:t>
+            </a:r>
+          </a:p>
+          <a:p>
+            <a:pPr marL="342900" indent="-342900">
+              <a:buFont typeface="Arial" panose="020B0604020202020204" pitchFamily="34" charset="0"/>
+              <a:buChar char="•"/>
+            </a:pPr>
+            <a:r>
+              <a:rPr lang="en-US" sz="2000" dirty="0"/>
+              <a:t>Probability domain for normalized predictor variables (histograms)</a:t>
+            </a:r>
+          </a:p>
+          <a:p>
+            <a:br>
+              <a:rPr lang="en-US" sz="2000" dirty="0"/>
+            </a:br>
+            <a:r>
+              <a:rPr lang="en-US" sz="2000" b="1" dirty="0"/>
+              <a:t>Output</a:t>
+            </a:r>
+          </a:p>
+          <a:p>
+            <a:pPr marL="342900" indent="-342900">
+              <a:buFont typeface="Arial" panose="020B0604020202020204" pitchFamily="34" charset="0"/>
+              <a:buChar char="•"/>
+            </a:pPr>
+            <a:r>
+              <a:rPr lang="en-US" sz="2000" dirty="0"/>
+              <a:t>Sparse linear models (few features), plottable</a:t>
+            </a:r>
+            <a:br>
+              <a:rPr lang="en-US" sz="2000" dirty="0"/>
+            </a:br>
+            <a:r>
+              <a:rPr lang="en-US" sz="2000" dirty="0"/>
+              <a:t>List significant features</a:t>
+            </a:r>
+          </a:p>
+          <a:p>
+            <a:endParaRPr lang="en-US" sz="2000" dirty="0"/>
+          </a:p>
+          <a:p>
+            <a:r>
+              <a:rPr lang="en-US" sz="2000" b="1" dirty="0"/>
+              <a:t>Analysis/verification</a:t>
+            </a:r>
+          </a:p>
+          <a:p>
+            <a:pPr marL="342900" indent="-342900">
+              <a:buFont typeface="Arial" panose="020B0604020202020204" pitchFamily="34" charset="0"/>
+              <a:buChar char="•"/>
+            </a:pPr>
+            <a:r>
+              <a:rPr lang="en-US" sz="2000" dirty="0"/>
+              <a:t>Decision-tree comparison</a:t>
+            </a:r>
+            <a:br>
+              <a:rPr lang="en-US" sz="2000" dirty="0"/>
+            </a:br>
+            <a:endParaRPr lang="en-US" sz="2000" dirty="0"/>
           </a:p>
         </p:txBody>
       </p:sp>
@@ -24284,7 +24438,7 @@
         <p:spPr>
           <a:xfrm>
             <a:off x="274639" y="1212849"/>
-            <a:ext cx="11889564" cy="3323987"/>
+            <a:ext cx="11889564" cy="3447098"/>
           </a:xfrm>
         </p:spPr>
         <p:txBody>
@@ -24293,17 +24447,29 @@
           <a:p>
             <a:r>
               <a:rPr lang="en-US" dirty="0"/>
-              <a:t>Describe the components and how they interact to accomplish the use cases.</a:t>
-            </a:r>
-          </a:p>
-          <a:p>
+              <a:t>Model</a:t>
+            </a:r>
+          </a:p>
+          <a:p>
+            <a:r>
+              <a:rPr lang="en-US" dirty="0" err="1"/>
+              <a:t>lime_sample</a:t>
+            </a:r>
             <a:endParaRPr lang="en-US" dirty="0"/>
           </a:p>
           <a:p>
             <a:r>
-              <a:rPr lang="en-US" dirty="0"/>
-              <a:t>Component spec + photo</a:t>
-            </a:r>
+              <a:rPr lang="en-US" dirty="0" err="1"/>
+              <a:t>lime_fit</a:t>
+            </a:r>
+            <a:endParaRPr lang="en-US" dirty="0"/>
+          </a:p>
+          <a:p>
+            <a:r>
+              <a:rPr lang="en-US"/>
+              <a:t>lime_result</a:t>
+            </a:r>
+            <a:endParaRPr lang="en-US" dirty="0"/>
           </a:p>
           <a:p>
             <a:endParaRPr lang="en-US" dirty="0"/>
@@ -24399,7 +24565,7 @@
         <p:spPr>
           <a:xfrm>
             <a:off x="274639" y="1212849"/>
-            <a:ext cx="11889564" cy="5478423"/>
+            <a:ext cx="11889564" cy="5441490"/>
           </a:xfrm>
         </p:spPr>
         <p:txBody>
@@ -24426,7 +24592,7 @@
             </a:r>
             <a:r>
               <a:rPr lang="en-US" sz="2800" dirty="0"/>
-              <a:t>), </a:t>
+              <a:t>): Annual report of schools and attributes (SAT scores, majors offered, region, cost, public/private/for profit, etc.)</a:t>
             </a:r>
           </a:p>
           <a:p>
@@ -24474,11 +24640,15 @@
             </a:r>
             <a:r>
               <a:rPr lang="en-US" sz="2800" dirty="0"/>
-              <a:t>)</a:t>
-            </a:r>
-          </a:p>
-          <a:p>
-            <a:endParaRPr lang="en-US" sz="2000" dirty="0"/>
+              <a:t>):</a:t>
+            </a:r>
+            <a:br>
+              <a:rPr lang="en-US" sz="2800" dirty="0"/>
+            </a:br>
+            <a:r>
+              <a:rPr lang="en-US" sz="2800" dirty="0"/>
+              <a:t>Article reporting schools and salaries of graduates, salaries by major, etc.</a:t>
+            </a:r>
           </a:p>
           <a:p>
             <a:r>
@@ -24503,19 +24673,8 @@
             </a:pPr>
             <a:r>
               <a:rPr lang="en-US" sz="2800" dirty="0"/>
-              <a:t>String manipulation, removal of hyphens, </a:t>
-            </a:r>
-            <a:r>
-              <a:rPr lang="en-US" sz="2800" dirty="0" err="1"/>
-              <a:t>abbreviationss</a:t>
-            </a:r>
-            <a:r>
-              <a:rPr lang="en-US" sz="2800" dirty="0"/>
-              <a:t>, region names, etc.</a:t>
-            </a:r>
-          </a:p>
-          <a:p>
-            <a:endParaRPr lang="en-US" sz="2000" dirty="0"/>
+              <a:t>String manipulation, removal of hyphens, abbreviations, region names, etc.</a:t>
+            </a:r>
           </a:p>
           <a:p>
             <a:r>

--- a/docs/LIMEaid_Final.pptx
+++ b/docs/LIMEaid_Final.pptx
@@ -24437,45 +24437,48 @@
         </p:nvSpPr>
         <p:spPr>
           <a:xfrm>
-            <a:off x="274639" y="1212849"/>
-            <a:ext cx="11889564" cy="3447098"/>
+            <a:off x="3017837" y="1744661"/>
+            <a:ext cx="9146366" cy="206851"/>
           </a:xfrm>
         </p:spPr>
         <p:txBody>
           <a:bodyPr/>
           <a:lstStyle/>
           <a:p>
-            <a:r>
-              <a:rPr lang="en-US" dirty="0"/>
-              <a:t>Model</a:t>
-            </a:r>
-          </a:p>
-          <a:p>
-            <a:r>
-              <a:rPr lang="en-US" dirty="0" err="1"/>
-              <a:t>lime_sample</a:t>
-            </a:r>
-            <a:endParaRPr lang="en-US" dirty="0"/>
-          </a:p>
-          <a:p>
-            <a:r>
-              <a:rPr lang="en-US" dirty="0" err="1"/>
-              <a:t>lime_fit</a:t>
-            </a:r>
-            <a:endParaRPr lang="en-US" dirty="0"/>
-          </a:p>
-          <a:p>
-            <a:r>
-              <a:rPr lang="en-US"/>
-              <a:t>lime_result</a:t>
-            </a:r>
-            <a:endParaRPr lang="en-US" dirty="0"/>
-          </a:p>
-          <a:p>
             <a:endParaRPr lang="en-US" dirty="0"/>
           </a:p>
         </p:txBody>
       </p:sp>
+      <p:pic>
+        <p:nvPicPr>
+          <p:cNvPr id="5" name="Picture 4" descr="A picture containing screenshot&#10;&#10;Description automatically generated">
+            <a:extLst>
+              <a:ext uri="{FF2B5EF4-FFF2-40B4-BE49-F238E27FC236}">
+                <a16:creationId xmlns:a16="http://schemas.microsoft.com/office/drawing/2014/main" id="{B615800B-2108-9B4F-8C01-3E13ADFAFF61}"/>
+              </a:ext>
+            </a:extLst>
+          </p:cNvPr>
+          <p:cNvPicPr>
+            <a:picLocks noChangeAspect="1"/>
+          </p:cNvPicPr>
+          <p:nvPr/>
+        </p:nvPicPr>
+        <p:blipFill>
+          <a:blip r:embed="rId2"/>
+          <a:stretch>
+            <a:fillRect/>
+          </a:stretch>
+        </p:blipFill>
+        <p:spPr>
+          <a:xfrm>
+            <a:off x="465137" y="1588098"/>
+            <a:ext cx="11506200" cy="4819516"/>
+          </a:xfrm>
+          <a:prstGeom prst="rect">
+            <a:avLst/>
+          </a:prstGeom>
+        </p:spPr>
+      </p:pic>
     </p:spTree>
     <p:extLst>
       <p:ext uri="{BB962C8B-B14F-4D97-AF65-F5344CB8AC3E}">

--- a/docs/LIMEaid_Final.pptx
+++ b/docs/LIMEaid_Final.pptx
@@ -264,6 +264,14 @@
 </p:cmAuthorLst>
 </file>
 
+<file path=ppt/revisionInfo.xml><?xml version="1.0" encoding="utf-8"?>
+<p1510:revInfo xmlns:a="http://schemas.openxmlformats.org/drawingml/2006/main" xmlns:r="http://schemas.openxmlformats.org/officeDocument/2006/relationships" xmlns:p1510="http://schemas.microsoft.com/office/powerpoint/2015/10/main">
+  <p1510:revLst>
+    <p1510:client id="{2D07F7FF-E37B-4422-A18B-E1DEC631B1D2}" v="5" dt="2019-06-04T23:31:21.031"/>
+  </p1510:revLst>
+</p1510:revInfo>
+</file>
+
 <file path=ppt/handoutMasters/handoutMaster1.xml><?xml version="1.0" encoding="utf-8"?>
 <p:handoutMaster xmlns:a="http://schemas.openxmlformats.org/drawingml/2006/main" xmlns:r="http://schemas.openxmlformats.org/officeDocument/2006/relationships" xmlns:p="http://schemas.openxmlformats.org/presentationml/2006/main">
   <p:cSld>
@@ -350,7 +358,7 @@
               <a:rPr lang="en-US" smtClean="0">
                 <a:latin typeface="Segoe UI" pitchFamily="34" charset="0"/>
               </a:rPr>
-              <a:t>6/1/19</a:t>
+              <a:t>6/4/2019</a:t>
             </a:fld>
             <a:endParaRPr lang="en-US" dirty="0">
               <a:latin typeface="Segoe UI" pitchFamily="34" charset="0"/>
@@ -673,7 +681,7 @@
             <a:fld id="{D51B1278-D92B-4AF3-A9C1-71DD298190CE}" type="datetimeFigureOut">
               <a:rPr lang="en-US" smtClean="0"/>
               <a:pPr/>
-              <a:t>6/1/19</a:t>
+              <a:t>6/4/2019</a:t>
             </a:fld>
             <a:endParaRPr lang="en-US" dirty="0"/>
           </a:p>
@@ -988,7 +996,7 @@
                 </a:solidFill>
               </a:rPr>
               <a:pPr/>
-              <a:t>6/1/19</a:t>
+              <a:t>6/4/2019</a:t>
             </a:fld>
             <a:endParaRPr lang="en-US" dirty="0">
               <a:solidFill>
@@ -22549,8 +22557,8 @@
         </p:nvSpPr>
         <p:spPr>
           <a:xfrm>
-            <a:off x="274639" y="1212849"/>
-            <a:ext cx="11889564" cy="6235553"/>
+            <a:off x="271292" y="1135062"/>
+            <a:ext cx="11889564" cy="7183505"/>
           </a:xfrm>
         </p:spPr>
         <p:txBody>
@@ -22562,12 +22570,12 @@
               <a:buChar char="§"/>
             </a:pPr>
             <a:r>
-              <a:rPr lang="en-US" sz="2800" b="1" dirty="0"/>
-              <a:t>API support </a:t>
-            </a:r>
-            <a:r>
-              <a:rPr lang="en-US" sz="2800" dirty="0"/>
-              <a:t>for data acquisition to support dynamic features:</a:t>
+              <a:rPr lang="en-US" sz="2800" b="1" dirty="0">
+                <a:solidFill>
+                  <a:schemeClr val="accent1"/>
+                </a:solidFill>
+              </a:rPr>
+              <a:t>API support for data acquisition to support dynamic features:</a:t>
             </a:r>
           </a:p>
           <a:p>
@@ -22618,12 +22626,12 @@
               <a:buChar char="§"/>
             </a:pPr>
             <a:r>
-              <a:rPr lang="en-US" sz="2800" b="1" dirty="0"/>
-              <a:t>Model tuning</a:t>
-            </a:r>
-            <a:r>
-              <a:rPr lang="en-US" sz="2800" dirty="0"/>
-              <a:t> for examples: </a:t>
+              <a:rPr lang="en-US" sz="2800" b="1" dirty="0">
+                <a:solidFill>
+                  <a:schemeClr val="accent1"/>
+                </a:solidFill>
+              </a:rPr>
+              <a:t>Model tuning for examples: </a:t>
             </a:r>
           </a:p>
           <a:p>
@@ -22663,15 +22671,44 @@
                   <a:schemeClr val="accent1"/>
                 </a:solidFill>
               </a:rPr>
+              <a:t>Better way to generate random samples</a:t>
+            </a:r>
+          </a:p>
+          <a:p>
+            <a:pPr marL="742950" indent="-742950">
+              <a:buFont typeface="Wingdings" pitchFamily="2" charset="2"/>
+              <a:buChar char="§"/>
+            </a:pPr>
+            <a:endParaRPr lang="en-US" sz="2800" b="1" dirty="0">
+              <a:solidFill>
+                <a:schemeClr val="accent1"/>
+              </a:solidFill>
+            </a:endParaRPr>
+          </a:p>
+          <a:p>
+            <a:pPr marL="742950" indent="-742950">
+              <a:buFont typeface="Wingdings" pitchFamily="2" charset="2"/>
+              <a:buChar char="§"/>
+            </a:pPr>
+            <a:r>
+              <a:rPr lang="en-US" sz="2800" b="1" dirty="0">
+                <a:solidFill>
+                  <a:schemeClr val="accent1"/>
+                </a:solidFill>
+              </a:rPr>
               <a:t>M</a:t>
             </a:r>
             <a:r>
               <a:rPr lang="en-US" sz="2800" b="1" dirty="0"/>
-              <a:t>odify penalty</a:t>
-            </a:r>
-            <a:r>
-              <a:rPr lang="en-US" sz="2800" dirty="0"/>
-              <a:t> for number of coefficients</a:t>
+              <a:t>odify </a:t>
+            </a:r>
+            <a:r>
+              <a:rPr lang="en-US" sz="2800" b="1" dirty="0">
+                <a:solidFill>
+                  <a:schemeClr val="accent1"/>
+                </a:solidFill>
+              </a:rPr>
+              <a:t>penalty for number of coefficients</a:t>
             </a:r>
             <a:br>
               <a:rPr lang="en-US" sz="2800" dirty="0"/>
@@ -22684,19 +22721,27 @@
               <a:buChar char="§"/>
             </a:pPr>
             <a:r>
-              <a:rPr lang="en-US" sz="2800" b="1" dirty="0"/>
-              <a:t>More data type and model support:</a:t>
-            </a:r>
-            <a:r>
-              <a:rPr lang="en-US" sz="2800" dirty="0"/>
-              <a:t> image data, NLP support, support for model objects beyond </a:t>
-            </a:r>
-            <a:r>
-              <a:rPr lang="en-US" sz="2800" dirty="0" err="1"/>
+              <a:rPr lang="en-US" sz="2800" b="1" dirty="0">
+                <a:solidFill>
+                  <a:schemeClr val="accent1"/>
+                </a:solidFill>
+              </a:rPr>
+              <a:t>More data type and model support: image data, NLP support, support for model objects beyond </a:t>
+            </a:r>
+            <a:r>
+              <a:rPr lang="en-US" sz="2800" b="1" dirty="0" err="1">
+                <a:solidFill>
+                  <a:schemeClr val="accent1"/>
+                </a:solidFill>
+              </a:rPr>
               <a:t>sklearn</a:t>
             </a:r>
             <a:r>
-              <a:rPr lang="en-US" sz="2800" dirty="0"/>
+              <a:rPr lang="en-US" sz="2800" b="1" dirty="0">
+                <a:solidFill>
+                  <a:schemeClr val="accent1"/>
+                </a:solidFill>
+              </a:rPr>
               <a:t> classifiers</a:t>
             </a:r>
           </a:p>
@@ -23951,8 +23996,8 @@
         </p:blipFill>
         <p:spPr>
           <a:xfrm>
-            <a:off x="5608637" y="1782474"/>
-            <a:ext cx="5842000" cy="4025900"/>
+            <a:off x="5075238" y="1795893"/>
+            <a:ext cx="7334126" cy="5054169"/>
           </a:xfrm>
           <a:prstGeom prst="rect">
             <a:avLst/>
@@ -24137,6 +24182,88 @@
               <a:rPr lang="en-US" sz="2000" dirty="0"/>
             </a:br>
             <a:endParaRPr lang="en-US" sz="2000" dirty="0"/>
+          </a:p>
+        </p:txBody>
+      </p:sp>
+      <p:sp>
+        <p:nvSpPr>
+          <p:cNvPr id="4" name="Rectangle 3">
+            <a:extLst>
+              <a:ext uri="{FF2B5EF4-FFF2-40B4-BE49-F238E27FC236}">
+                <a16:creationId xmlns:a16="http://schemas.microsoft.com/office/drawing/2014/main" id="{9C14717C-2528-489E-A496-4EBC7C07B077}"/>
+              </a:ext>
+            </a:extLst>
+          </p:cNvPr>
+          <p:cNvSpPr/>
+          <p:nvPr/>
+        </p:nvSpPr>
+        <p:spPr bwMode="auto">
+          <a:xfrm>
+            <a:off x="4999037" y="1744662"/>
+            <a:ext cx="685800" cy="304800"/>
+          </a:xfrm>
+          <a:prstGeom prst="rect">
+            <a:avLst/>
+          </a:prstGeom>
+          <a:solidFill>
+            <a:schemeClr val="bg1"/>
+          </a:solidFill>
+          <a:ln>
+            <a:noFill/>
+            <a:headEnd type="none" w="med" len="med"/>
+            <a:tailEnd type="none" w="med" len="med"/>
+          </a:ln>
+          <a:effectLst/>
+        </p:spPr>
+        <p:style>
+          <a:lnRef idx="1">
+            <a:schemeClr val="accent2"/>
+          </a:lnRef>
+          <a:fillRef idx="3">
+            <a:schemeClr val="accent2"/>
+          </a:fillRef>
+          <a:effectRef idx="2">
+            <a:schemeClr val="accent2"/>
+          </a:effectRef>
+          <a:fontRef idx="minor">
+            <a:schemeClr val="lt1"/>
+          </a:fontRef>
+        </p:style>
+        <p:txBody>
+          <a:bodyPr rot="0" spcFirstLastPara="0" vertOverflow="overflow" horzOverflow="overflow" vert="horz" wrap="square" lIns="182880" tIns="146304" rIns="182880" bIns="146304" numCol="1" spcCol="0" rtlCol="0" fromWordArt="0" anchor="t" anchorCtr="0" forceAA="0" compatLnSpc="1">
+            <a:prstTxWarp prst="textNoShape">
+              <a:avLst/>
+            </a:prstTxWarp>
+            <a:noAutofit/>
+          </a:bodyPr>
+          <a:lstStyle/>
+          <a:p>
+            <a:pPr algn="ctr" defTabSz="932472" fontAlgn="base">
+              <a:lnSpc>
+                <a:spcPct val="90000"/>
+              </a:lnSpc>
+              <a:spcBef>
+                <a:spcPct val="0"/>
+              </a:spcBef>
+              <a:spcAft>
+                <a:spcPct val="0"/>
+              </a:spcAft>
+            </a:pPr>
+            <a:endParaRPr lang="en-US" sz="2400" dirty="0" err="1">
+              <a:gradFill>
+                <a:gsLst>
+                  <a:gs pos="0">
+                    <a:srgbClr val="FFFFFF"/>
+                  </a:gs>
+                  <a:gs pos="100000">
+                    <a:srgbClr val="FFFFFF"/>
+                  </a:gs>
+                </a:gsLst>
+                <a:lin ang="5400000" scaled="0"/>
+              </a:gradFill>
+              <a:ea typeface="Segoe UI" pitchFamily="34" charset="0"/>
+              <a:cs typeface="Segoe UI" pitchFamily="34" charset="0"/>
+            </a:endParaRPr>
           </a:p>
         </p:txBody>
       </p:sp>

--- a/docs/LIMEaid_Final.pptx
+++ b/docs/LIMEaid_Final.pptx
@@ -24934,15 +24934,7 @@
             </a:r>
             <a:r>
               <a:rPr lang="en-US" sz="2800" dirty="0"/>
-              <a:t>-learn classifiers that predict probabilities (</a:t>
-            </a:r>
-            <a:r>
-              <a:rPr lang="en-US" sz="2800" dirty="0" err="1"/>
-              <a:t>predict_proba</a:t>
-            </a:r>
-            <a:r>
-              <a:rPr lang="en-US" sz="2800" dirty="0"/>
-              <a:t> implemented)</a:t>
+              <a:t>-learn classifiers used to predict probabilities of median mid-career salary</a:t>
             </a:r>
           </a:p>
           <a:p>

--- a/docs/LIMEaid_Final.pptx
+++ b/docs/LIMEaid_Final.pptx
@@ -264,14 +264,6 @@
 </p:cmAuthorLst>
 </file>
 
-<file path=ppt/revisionInfo.xml><?xml version="1.0" encoding="utf-8"?>
-<p1510:revInfo xmlns:a="http://schemas.openxmlformats.org/drawingml/2006/main" xmlns:r="http://schemas.openxmlformats.org/officeDocument/2006/relationships" xmlns:p1510="http://schemas.microsoft.com/office/powerpoint/2015/10/main">
-  <p1510:revLst>
-    <p1510:client id="{2D07F7FF-E37B-4422-A18B-E1DEC631B1D2}" v="5" dt="2019-06-04T23:31:21.031"/>
-  </p1510:revLst>
-</p1510:revInfo>
-</file>
-
 <file path=ppt/handoutMasters/handoutMaster1.xml><?xml version="1.0" encoding="utf-8"?>
 <p:handoutMaster xmlns:a="http://schemas.openxmlformats.org/drawingml/2006/main" xmlns:r="http://schemas.openxmlformats.org/officeDocument/2006/relationships" xmlns:p="http://schemas.openxmlformats.org/presentationml/2006/main">
   <p:cSld>
@@ -358,7 +350,7 @@
               <a:rPr lang="en-US" smtClean="0">
                 <a:latin typeface="Segoe UI" pitchFamily="34" charset="0"/>
               </a:rPr>
-              <a:t>6/4/2019</a:t>
+              <a:t>6/7/19</a:t>
             </a:fld>
             <a:endParaRPr lang="en-US" dirty="0">
               <a:latin typeface="Segoe UI" pitchFamily="34" charset="0"/>
@@ -681,7 +673,7 @@
             <a:fld id="{D51B1278-D92B-4AF3-A9C1-71DD298190CE}" type="datetimeFigureOut">
               <a:rPr lang="en-US" smtClean="0"/>
               <a:pPr/>
-              <a:t>6/4/2019</a:t>
+              <a:t>6/7/19</a:t>
             </a:fld>
             <a:endParaRPr lang="en-US" dirty="0"/>
           </a:p>
@@ -996,7 +988,7 @@
                 </a:solidFill>
               </a:rPr>
               <a:pPr/>
-              <a:t>6/4/2019</a:t>
+              <a:t>6/7/19</a:t>
             </a:fld>
             <a:endParaRPr lang="en-US" dirty="0">
               <a:solidFill>
@@ -22557,8 +22549,8 @@
         </p:nvSpPr>
         <p:spPr>
           <a:xfrm>
-            <a:off x="271292" y="1135062"/>
-            <a:ext cx="11889564" cy="7183505"/>
+            <a:off x="274639" y="1212849"/>
+            <a:ext cx="11889564" cy="6235553"/>
           </a:xfrm>
         </p:spPr>
         <p:txBody>
@@ -22570,12 +22562,12 @@
               <a:buChar char="§"/>
             </a:pPr>
             <a:r>
-              <a:rPr lang="en-US" sz="2800" b="1" dirty="0">
-                <a:solidFill>
-                  <a:schemeClr val="accent1"/>
-                </a:solidFill>
-              </a:rPr>
-              <a:t>API support for data acquisition to support dynamic features:</a:t>
+              <a:rPr lang="en-US" sz="2800" b="1" dirty="0"/>
+              <a:t>API support </a:t>
+            </a:r>
+            <a:r>
+              <a:rPr lang="en-US" sz="2800" dirty="0"/>
+              <a:t>for data acquisition to support dynamic features:</a:t>
             </a:r>
           </a:p>
           <a:p>
@@ -22626,12 +22618,12 @@
               <a:buChar char="§"/>
             </a:pPr>
             <a:r>
-              <a:rPr lang="en-US" sz="2800" b="1" dirty="0">
-                <a:solidFill>
-                  <a:schemeClr val="accent1"/>
-                </a:solidFill>
-              </a:rPr>
-              <a:t>Model tuning for examples: </a:t>
+              <a:rPr lang="en-US" sz="2800" b="1" dirty="0"/>
+              <a:t>Model tuning</a:t>
+            </a:r>
+            <a:r>
+              <a:rPr lang="en-US" sz="2800" dirty="0"/>
+              <a:t> for examples: </a:t>
             </a:r>
           </a:p>
           <a:p>
@@ -22671,77 +22663,40 @@
                   <a:schemeClr val="accent1"/>
                 </a:solidFill>
               </a:rPr>
-              <a:t>Better way to generate random samples</a:t>
-            </a:r>
+              <a:t>M</a:t>
+            </a:r>
+            <a:r>
+              <a:rPr lang="en-US" sz="2800" b="1" dirty="0"/>
+              <a:t>odify penalty</a:t>
+            </a:r>
+            <a:r>
+              <a:rPr lang="en-US" sz="2800" dirty="0"/>
+              <a:t> for number of coefficients</a:t>
+            </a:r>
+            <a:br>
+              <a:rPr lang="en-US" sz="2800" dirty="0"/>
+            </a:br>
+            <a:endParaRPr lang="en-US" sz="2800" dirty="0"/>
           </a:p>
           <a:p>
             <a:pPr marL="742950" indent="-742950">
               <a:buFont typeface="Wingdings" pitchFamily="2" charset="2"/>
               <a:buChar char="§"/>
             </a:pPr>
-            <a:endParaRPr lang="en-US" sz="2800" b="1" dirty="0">
-              <a:solidFill>
-                <a:schemeClr val="accent1"/>
-              </a:solidFill>
-            </a:endParaRPr>
-          </a:p>
-          <a:p>
-            <a:pPr marL="742950" indent="-742950">
-              <a:buFont typeface="Wingdings" pitchFamily="2" charset="2"/>
-              <a:buChar char="§"/>
-            </a:pPr>
-            <a:r>
-              <a:rPr lang="en-US" sz="2800" b="1" dirty="0">
-                <a:solidFill>
-                  <a:schemeClr val="accent1"/>
-                </a:solidFill>
-              </a:rPr>
-              <a:t>M</a:t>
-            </a:r>
             <a:r>
               <a:rPr lang="en-US" sz="2800" b="1" dirty="0"/>
-              <a:t>odify </a:t>
-            </a:r>
-            <a:r>
-              <a:rPr lang="en-US" sz="2800" b="1" dirty="0">
-                <a:solidFill>
-                  <a:schemeClr val="accent1"/>
-                </a:solidFill>
-              </a:rPr>
-              <a:t>penalty for number of coefficients</a:t>
-            </a:r>
-            <a:br>
+              <a:t>More data type and model support:</a:t>
+            </a:r>
+            <a:r>
               <a:rPr lang="en-US" sz="2800" dirty="0"/>
-            </a:br>
-            <a:endParaRPr lang="en-US" sz="2800" dirty="0"/>
-          </a:p>
-          <a:p>
-            <a:pPr marL="742950" indent="-742950">
-              <a:buFont typeface="Wingdings" pitchFamily="2" charset="2"/>
-              <a:buChar char="§"/>
-            </a:pPr>
-            <a:r>
-              <a:rPr lang="en-US" sz="2800" b="1" dirty="0">
-                <a:solidFill>
-                  <a:schemeClr val="accent1"/>
-                </a:solidFill>
-              </a:rPr>
-              <a:t>More data type and model support: image data, NLP support, support for model objects beyond </a:t>
-            </a:r>
-            <a:r>
-              <a:rPr lang="en-US" sz="2800" b="1" dirty="0" err="1">
-                <a:solidFill>
-                  <a:schemeClr val="accent1"/>
-                </a:solidFill>
-              </a:rPr>
+              <a:t> image data, NLP support, support for model objects beyond </a:t>
+            </a:r>
+            <a:r>
+              <a:rPr lang="en-US" sz="2800" dirty="0" err="1"/>
               <a:t>sklearn</a:t>
             </a:r>
             <a:r>
-              <a:rPr lang="en-US" sz="2800" b="1" dirty="0">
-                <a:solidFill>
-                  <a:schemeClr val="accent1"/>
-                </a:solidFill>
-              </a:rPr>
+              <a:rPr lang="en-US" sz="2800" dirty="0"/>
               <a:t> classifiers</a:t>
             </a:r>
           </a:p>
@@ -23974,36 +23929,6 @@
           <a:chExt cx="0" cy="0"/>
         </a:xfrm>
       </p:grpSpPr>
-      <p:pic>
-        <p:nvPicPr>
-          <p:cNvPr id="5" name="Picture 4" descr="A screenshot of a cell phone&#10;&#10;Description automatically generated">
-            <a:extLst>
-              <a:ext uri="{FF2B5EF4-FFF2-40B4-BE49-F238E27FC236}">
-                <a16:creationId xmlns:a16="http://schemas.microsoft.com/office/drawing/2014/main" id="{E9B30851-92C6-284F-B539-3D6B91FEE856}"/>
-              </a:ext>
-            </a:extLst>
-          </p:cNvPr>
-          <p:cNvPicPr>
-            <a:picLocks noChangeAspect="1"/>
-          </p:cNvPicPr>
-          <p:nvPr/>
-        </p:nvPicPr>
-        <p:blipFill>
-          <a:blip r:embed="rId2"/>
-          <a:stretch>
-            <a:fillRect/>
-          </a:stretch>
-        </p:blipFill>
-        <p:spPr>
-          <a:xfrm>
-            <a:off x="5075238" y="1795893"/>
-            <a:ext cx="7334126" cy="5054169"/>
-          </a:xfrm>
-          <a:prstGeom prst="rect">
-            <a:avLst/>
-          </a:prstGeom>
-        </p:spPr>
-      </p:pic>
       <p:sp>
         <p:nvSpPr>
           <p:cNvPr id="2" name="Title 1">
@@ -24055,7 +23980,7 @@
         <p:spPr>
           <a:xfrm>
             <a:off x="274639" y="1212849"/>
-            <a:ext cx="11889564" cy="4789003"/>
+            <a:ext cx="11889564" cy="5509200"/>
           </a:xfrm>
         </p:spPr>
         <p:txBody>
@@ -24076,7 +24001,7 @@
           </a:p>
           <a:p>
             <a:r>
-              <a:rPr lang="en-US" sz="2000" b="1" dirty="0"/>
+              <a:rPr lang="en-US" sz="2400" b="1" dirty="0"/>
               <a:t>Input</a:t>
             </a:r>
           </a:p>
@@ -24086,15 +24011,15 @@
               <a:buChar char="•"/>
             </a:pPr>
             <a:r>
-              <a:rPr lang="en-US" sz="2000" dirty="0"/>
+              <a:rPr lang="en-US" sz="2400" dirty="0"/>
               <a:t>A “complex” ML model, fit by </a:t>
             </a:r>
             <a:r>
-              <a:rPr lang="en-US" sz="2000" dirty="0" err="1"/>
+              <a:rPr lang="en-US" sz="2400" dirty="0" err="1"/>
               <a:t>sklearn</a:t>
             </a:r>
             <a:r>
-              <a:rPr lang="en-US" sz="2000" dirty="0"/>
+              <a:rPr lang="en-US" sz="2400" dirty="0"/>
               <a:t> classifier object with .predict</a:t>
             </a:r>
           </a:p>
@@ -24104,23 +24029,23 @@
               <a:buChar char="•"/>
             </a:pPr>
             <a:r>
-              <a:rPr lang="en-US" sz="2000" dirty="0"/>
+              <a:rPr lang="en-US" sz="2400" dirty="0"/>
               <a:t>An instance of data (</a:t>
             </a:r>
             <a:r>
-              <a:rPr lang="en-US" sz="2000" i="1" dirty="0"/>
+              <a:rPr lang="en-US" sz="2400" i="1" dirty="0"/>
               <a:t>x</a:t>
             </a:r>
             <a:r>
-              <a:rPr lang="en-US" sz="2000" dirty="0"/>
+              <a:rPr lang="en-US" sz="2400" dirty="0"/>
               <a:t>) and its model output (</a:t>
             </a:r>
             <a:r>
-              <a:rPr lang="en-US" sz="2000" i="1" dirty="0"/>
+              <a:rPr lang="en-US" sz="2400" i="1" dirty="0"/>
               <a:t>f(x)</a:t>
             </a:r>
             <a:r>
-              <a:rPr lang="en-US" sz="2000" dirty="0"/>
+              <a:rPr lang="en-US" sz="2400" dirty="0"/>
               <a:t>)</a:t>
             </a:r>
           </a:p>
@@ -24130,16 +24055,16 @@
               <a:buChar char="•"/>
             </a:pPr>
             <a:r>
-              <a:rPr lang="en-US" sz="2000" dirty="0"/>
+              <a:rPr lang="en-US" sz="2400" dirty="0"/>
               <a:t>Probability domain for normalized predictor variables (histograms)</a:t>
             </a:r>
           </a:p>
           <a:p>
             <a:br>
-              <a:rPr lang="en-US" sz="2000" dirty="0"/>
+              <a:rPr lang="en-US" sz="2400" dirty="0"/>
             </a:br>
             <a:r>
-              <a:rPr lang="en-US" sz="2000" b="1" dirty="0"/>
+              <a:rPr lang="en-US" sz="2400" b="1" dirty="0"/>
               <a:t>Output</a:t>
             </a:r>
           </a:p>
@@ -24149,23 +24074,23 @@
               <a:buChar char="•"/>
             </a:pPr>
             <a:r>
-              <a:rPr lang="en-US" sz="2000" dirty="0"/>
+              <a:rPr lang="en-US" sz="2400" dirty="0"/>
               <a:t>Sparse linear models (few features), plottable</a:t>
             </a:r>
             <a:br>
-              <a:rPr lang="en-US" sz="2000" dirty="0"/>
+              <a:rPr lang="en-US" sz="2400" dirty="0"/>
             </a:br>
             <a:r>
-              <a:rPr lang="en-US" sz="2000" dirty="0"/>
+              <a:rPr lang="en-US" sz="2400" dirty="0"/>
               <a:t>List significant features</a:t>
             </a:r>
           </a:p>
           <a:p>
-            <a:endParaRPr lang="en-US" sz="2000" dirty="0"/>
-          </a:p>
-          <a:p>
-            <a:r>
-              <a:rPr lang="en-US" sz="2000" b="1" dirty="0"/>
+            <a:endParaRPr lang="en-US" sz="2400" dirty="0"/>
+          </a:p>
+          <a:p>
+            <a:r>
+              <a:rPr lang="en-US" sz="2400" b="1" dirty="0"/>
               <a:t>Analysis/verification</a:t>
             </a:r>
           </a:p>
@@ -24175,95 +24100,13 @@
               <a:buChar char="•"/>
             </a:pPr>
             <a:r>
-              <a:rPr lang="en-US" sz="2000" dirty="0"/>
-              <a:t>Decision-tree comparison</a:t>
+              <a:rPr lang="en-US" sz="2400" dirty="0"/>
+              <a:t>Comparison to decision trees</a:t>
             </a:r>
             <a:br>
               <a:rPr lang="en-US" sz="2000" dirty="0"/>
             </a:br>
             <a:endParaRPr lang="en-US" sz="2000" dirty="0"/>
-          </a:p>
-        </p:txBody>
-      </p:sp>
-      <p:sp>
-        <p:nvSpPr>
-          <p:cNvPr id="4" name="Rectangle 3">
-            <a:extLst>
-              <a:ext uri="{FF2B5EF4-FFF2-40B4-BE49-F238E27FC236}">
-                <a16:creationId xmlns:a16="http://schemas.microsoft.com/office/drawing/2014/main" id="{9C14717C-2528-489E-A496-4EBC7C07B077}"/>
-              </a:ext>
-            </a:extLst>
-          </p:cNvPr>
-          <p:cNvSpPr/>
-          <p:nvPr/>
-        </p:nvSpPr>
-        <p:spPr bwMode="auto">
-          <a:xfrm>
-            <a:off x="4999037" y="1744662"/>
-            <a:ext cx="685800" cy="304800"/>
-          </a:xfrm>
-          <a:prstGeom prst="rect">
-            <a:avLst/>
-          </a:prstGeom>
-          <a:solidFill>
-            <a:schemeClr val="bg1"/>
-          </a:solidFill>
-          <a:ln>
-            <a:noFill/>
-            <a:headEnd type="none" w="med" len="med"/>
-            <a:tailEnd type="none" w="med" len="med"/>
-          </a:ln>
-          <a:effectLst/>
-        </p:spPr>
-        <p:style>
-          <a:lnRef idx="1">
-            <a:schemeClr val="accent2"/>
-          </a:lnRef>
-          <a:fillRef idx="3">
-            <a:schemeClr val="accent2"/>
-          </a:fillRef>
-          <a:effectRef idx="2">
-            <a:schemeClr val="accent2"/>
-          </a:effectRef>
-          <a:fontRef idx="minor">
-            <a:schemeClr val="lt1"/>
-          </a:fontRef>
-        </p:style>
-        <p:txBody>
-          <a:bodyPr rot="0" spcFirstLastPara="0" vertOverflow="overflow" horzOverflow="overflow" vert="horz" wrap="square" lIns="182880" tIns="146304" rIns="182880" bIns="146304" numCol="1" spcCol="0" rtlCol="0" fromWordArt="0" anchor="t" anchorCtr="0" forceAA="0" compatLnSpc="1">
-            <a:prstTxWarp prst="textNoShape">
-              <a:avLst/>
-            </a:prstTxWarp>
-            <a:noAutofit/>
-          </a:bodyPr>
-          <a:lstStyle/>
-          <a:p>
-            <a:pPr algn="ctr" defTabSz="932472" fontAlgn="base">
-              <a:lnSpc>
-                <a:spcPct val="90000"/>
-              </a:lnSpc>
-              <a:spcBef>
-                <a:spcPct val="0"/>
-              </a:spcBef>
-              <a:spcAft>
-                <a:spcPct val="0"/>
-              </a:spcAft>
-            </a:pPr>
-            <a:endParaRPr lang="en-US" sz="2400" dirty="0" err="1">
-              <a:gradFill>
-                <a:gsLst>
-                  <a:gs pos="0">
-                    <a:srgbClr val="FFFFFF"/>
-                  </a:gs>
-                  <a:gs pos="100000">
-                    <a:srgbClr val="FFFFFF"/>
-                  </a:gs>
-                </a:gsLst>
-                <a:lin ang="5400000" scaled="0"/>
-              </a:gradFill>
-              <a:ea typeface="Segoe UI" pitchFamily="34" charset="0"/>
-              <a:cs typeface="Segoe UI" pitchFamily="34" charset="0"/>
-            </a:endParaRPr>
           </a:p>
         </p:txBody>
       </p:sp>
@@ -24578,10 +24421,10 @@
       </p:sp>
       <p:pic>
         <p:nvPicPr>
-          <p:cNvPr id="5" name="Picture 4" descr="A picture containing screenshot&#10;&#10;Description automatically generated">
+          <p:cNvPr id="6" name="Picture 5" descr="A picture containing screenshot&#10;&#10;Description automatically generated">
             <a:extLst>
               <a:ext uri="{FF2B5EF4-FFF2-40B4-BE49-F238E27FC236}">
-                <a16:creationId xmlns:a16="http://schemas.microsoft.com/office/drawing/2014/main" id="{B615800B-2108-9B4F-8C01-3E13ADFAFF61}"/>
+                <a16:creationId xmlns:a16="http://schemas.microsoft.com/office/drawing/2014/main" id="{AD3EF465-9776-F74E-8610-CB8CCE6E14D7}"/>
               </a:ext>
             </a:extLst>
           </p:cNvPr>
@@ -24598,8 +24441,8 @@
         </p:blipFill>
         <p:spPr>
           <a:xfrm>
-            <a:off x="465137" y="1588098"/>
-            <a:ext cx="11506200" cy="4819516"/>
+            <a:off x="567870" y="1730936"/>
+            <a:ext cx="11628438" cy="4515071"/>
           </a:xfrm>
           <a:prstGeom prst="rect">
             <a:avLst/>
@@ -24695,7 +24538,7 @@
         <p:spPr>
           <a:xfrm>
             <a:off x="274639" y="1212849"/>
-            <a:ext cx="11889564" cy="5441490"/>
+            <a:ext cx="11889564" cy="5053691"/>
           </a:xfrm>
         </p:spPr>
         <p:txBody>
@@ -24777,7 +24620,7 @@
             </a:br>
             <a:r>
               <a:rPr lang="en-US" sz="2800" dirty="0"/>
-              <a:t>Article reporting schools and salaries of graduates, salaries by major, etc.</a:t>
+              <a:t>Article reporting salaries of graduates, salaries by major, etc.</a:t>
             </a:r>
           </a:p>
           <a:p>
@@ -24818,16 +24661,12 @@
               <a:buChar char="•"/>
             </a:pPr>
             <a:r>
-              <a:rPr lang="en-US" sz="2800" dirty="0"/>
-              <a:t>Also tested with </a:t>
-            </a:r>
-            <a:r>
               <a:rPr lang="en-US" sz="2800" dirty="0" err="1"/>
               <a:t>Sklearn’s</a:t>
             </a:r>
             <a:r>
               <a:rPr lang="en-US" sz="2800" dirty="0"/>
-              <a:t> provided “Iris” data, to show comparison to Ribeiro’s original LIME package (“LIME classic”)</a:t>
+              <a:t> provided “Iris” data</a:t>
             </a:r>
           </a:p>
         </p:txBody>
@@ -24921,7 +24760,7 @@
         <p:spPr>
           <a:xfrm>
             <a:off x="274639" y="1212849"/>
-            <a:ext cx="11889564" cy="6001643"/>
+            <a:ext cx="11889564" cy="6087820"/>
           </a:xfrm>
         </p:spPr>
         <p:txBody>
@@ -24934,7 +24773,15 @@
             </a:r>
             <a:r>
               <a:rPr lang="en-US" sz="2800" dirty="0"/>
-              <a:t>-learn classifiers used to predict probabilities of median mid-career salary</a:t>
+              <a:t>-learn classifiers that predict probabilities (</a:t>
+            </a:r>
+            <a:r>
+              <a:rPr lang="en-US" sz="2800" dirty="0" err="1"/>
+              <a:t>predict_proba</a:t>
+            </a:r>
+            <a:r>
+              <a:rPr lang="en-US" sz="2800" dirty="0"/>
+              <a:t> implemented)</a:t>
             </a:r>
           </a:p>
           <a:p>
@@ -24999,27 +24846,26 @@
             <a:endParaRPr lang="en-US" sz="2800" dirty="0"/>
           </a:p>
           <a:p>
+            <a:r>
+              <a:rPr lang="en-US" sz="2800" dirty="0"/>
+              <a:t>Decision tree (</a:t>
+            </a:r>
+            <a:r>
+              <a:rPr lang="en-US" sz="2800" dirty="0">
+                <a:hlinkClick r:id="rId4"/>
+              </a:rPr>
+              <a:t>sklearn.tree</a:t>
+            </a:r>
+            <a:r>
+              <a:rPr lang="en-US" sz="2800" dirty="0"/>
+              <a:t>)</a:t>
+            </a:r>
+          </a:p>
+          <a:p>
             <a:pPr marL="457200" indent="-457200">
               <a:buFont typeface="Arial" panose="020B0604020202020204" pitchFamily="34" charset="0"/>
               <a:buChar char="•"/>
             </a:pPr>
-            <a:r>
-              <a:rPr lang="en-US" sz="2800" dirty="0"/>
-              <a:t>Decision tree (</a:t>
-            </a:r>
-            <a:r>
-              <a:rPr lang="en-US" sz="2800" dirty="0" err="1">
-                <a:hlinkClick r:id="rId4"/>
-              </a:rPr>
-              <a:t>sklearn.tree</a:t>
-            </a:r>
-            <a:r>
-              <a:rPr lang="en-US" sz="2800" dirty="0"/>
-              <a:t>)</a:t>
-            </a:r>
-            <a:br>
-              <a:rPr lang="en-US" sz="2800" dirty="0"/>
-            </a:br>
             <a:r>
               <a:rPr lang="en-US" sz="2800" dirty="0"/>
               <a:t>65% accuracy on College data</a:t>
@@ -25138,13 +24984,13 @@
             <a:pPr algn="ctr"/>
             <a:r>
               <a:rPr lang="en-US" dirty="0"/>
-              <a:t>Iris notebook (</a:t>
+              <a:t>Education data (</a:t>
             </a:r>
             <a:r>
               <a:rPr lang="en-US" dirty="0">
                 <a:hlinkClick r:id="rId2"/>
               </a:rPr>
-              <a:t>LIME_Iris_ex_notebook.ipynb</a:t>
+              <a:t>LIME_Education_ex_notebook.ipynb</a:t>
             </a:r>
             <a:r>
               <a:rPr lang="en-US" dirty="0"/>
@@ -25164,10 +25010,10 @@
       </p:sp>
       <p:pic>
         <p:nvPicPr>
-          <p:cNvPr id="5" name="Picture 4" descr="LIMEaid classification of Iris">
+          <p:cNvPr id="6" name="Picture 5">
             <a:extLst>
               <a:ext uri="{FF2B5EF4-FFF2-40B4-BE49-F238E27FC236}">
-                <a16:creationId xmlns:a16="http://schemas.microsoft.com/office/drawing/2014/main" id="{6BBCA214-171C-7A42-99D5-B6F00FF9182B}"/>
+                <a16:creationId xmlns:a16="http://schemas.microsoft.com/office/drawing/2014/main" id="{6CA915CE-8D34-434B-B7AD-97DC0C487B3E}"/>
               </a:ext>
             </a:extLst>
           </p:cNvPr>
@@ -25184,8 +25030,8 @@
         </p:blipFill>
         <p:spPr>
           <a:xfrm>
-            <a:off x="2179637" y="2278062"/>
-            <a:ext cx="4572000" cy="3869616"/>
+            <a:off x="1646237" y="2116509"/>
+            <a:ext cx="4825588" cy="4582742"/>
           </a:xfrm>
           <a:prstGeom prst="rect">
             <a:avLst/>
@@ -25194,10 +25040,10 @@
       </p:pic>
       <p:pic>
         <p:nvPicPr>
-          <p:cNvPr id="7" name="Picture 6">
+          <p:cNvPr id="9" name="Picture 8" descr="A close up of a white wall&#10;&#10;Description automatically generated">
             <a:extLst>
               <a:ext uri="{FF2B5EF4-FFF2-40B4-BE49-F238E27FC236}">
-                <a16:creationId xmlns:a16="http://schemas.microsoft.com/office/drawing/2014/main" id="{55CBF8FE-597E-064B-87E6-D40BD8A04B3C}"/>
+                <a16:creationId xmlns:a16="http://schemas.microsoft.com/office/drawing/2014/main" id="{92E77F92-8FDD-C748-AF5A-EEFB80730909}"/>
               </a:ext>
             </a:extLst>
           </p:cNvPr>
@@ -25214,8 +25060,8 @@
         </p:blipFill>
         <p:spPr>
           <a:xfrm>
-            <a:off x="7056437" y="2278062"/>
-            <a:ext cx="2880327" cy="3788037"/>
+            <a:off x="7349489" y="2063563"/>
+            <a:ext cx="3027953" cy="4716463"/>
           </a:xfrm>
           <a:prstGeom prst="rect">
             <a:avLst/>
@@ -25311,7 +25157,7 @@
         <p:spPr>
           <a:xfrm>
             <a:off x="274639" y="1212849"/>
-            <a:ext cx="11889564" cy="2111347"/>
+            <a:ext cx="11889564" cy="1723549"/>
           </a:xfrm>
         </p:spPr>
         <p:txBody>
@@ -25365,14 +25211,7 @@
             </a:pPr>
             <a:r>
               <a:rPr lang="en-US" sz="2800" dirty="0"/>
-              <a:t>Used “M-V-C” architecture to codebase</a:t>
-            </a:r>
-            <a:br>
-              <a:rPr lang="en-US" sz="2800" dirty="0"/>
-            </a:br>
-            <a:r>
-              <a:rPr lang="en-US" sz="2800" dirty="0"/>
-              <a:t>(Model-View-Controller)</a:t>
+              <a:t>Used Model-View-Controller (MVC) codebase architecture</a:t>
             </a:r>
           </a:p>
           <a:p>
@@ -25382,10 +25221,10 @@
       </p:sp>
       <p:pic>
         <p:nvPicPr>
-          <p:cNvPr id="5" name="Picture 4" descr="A screenshot of a cell phone&#10;&#10;Description automatically generated">
+          <p:cNvPr id="6" name="Picture 5" descr="A screenshot of a cell phone&#10;&#10;Description automatically generated">
             <a:extLst>
               <a:ext uri="{FF2B5EF4-FFF2-40B4-BE49-F238E27FC236}">
-                <a16:creationId xmlns:a16="http://schemas.microsoft.com/office/drawing/2014/main" id="{7B182C1A-19C0-3B45-A16D-B26CC03F1574}"/>
+                <a16:creationId xmlns:a16="http://schemas.microsoft.com/office/drawing/2014/main" id="{A1C106E9-1791-6343-89E7-C6859E6D9843}"/>
               </a:ext>
             </a:extLst>
           </p:cNvPr>
@@ -25402,8 +25241,8 @@
         </p:blipFill>
         <p:spPr>
           <a:xfrm>
-            <a:off x="1204118" y="2887662"/>
-            <a:ext cx="10028238" cy="3312631"/>
+            <a:off x="1722437" y="2358670"/>
+            <a:ext cx="8655275" cy="4340581"/>
           </a:xfrm>
           <a:prstGeom prst="rect">
             <a:avLst/>

--- a/docs/LIMEaid_Final.pptx
+++ b/docs/LIMEaid_Final.pptx
@@ -350,7 +350,7 @@
               <a:rPr lang="en-US" smtClean="0">
                 <a:latin typeface="Segoe UI" pitchFamily="34" charset="0"/>
               </a:rPr>
-              <a:t>6/7/19</a:t>
+              <a:t>6/9/19</a:t>
             </a:fld>
             <a:endParaRPr lang="en-US" dirty="0">
               <a:latin typeface="Segoe UI" pitchFamily="34" charset="0"/>
@@ -673,7 +673,7 @@
             <a:fld id="{D51B1278-D92B-4AF3-A9C1-71DD298190CE}" type="datetimeFigureOut">
               <a:rPr lang="en-US" smtClean="0"/>
               <a:pPr/>
-              <a:t>6/7/19</a:t>
+              <a:t>6/9/19</a:t>
             </a:fld>
             <a:endParaRPr lang="en-US" dirty="0"/>
           </a:p>
@@ -988,7 +988,7 @@
                 </a:solidFill>
               </a:rPr>
               <a:pPr/>
-              <a:t>6/7/19</a:t>
+              <a:t>6/9/19</a:t>
             </a:fld>
             <a:endParaRPr lang="en-US" dirty="0">
               <a:solidFill>
@@ -1088,6 +1088,1427 @@
     <p:extLst>
       <p:ext uri="{BB962C8B-B14F-4D97-AF65-F5344CB8AC3E}">
         <p14:creationId xmlns:p14="http://schemas.microsoft.com/office/powerpoint/2010/main" val="1650865033"/>
+      </p:ext>
+    </p:extLst>
+  </p:cSld>
+  <p:clrMapOvr>
+    <a:masterClrMapping/>
+  </p:clrMapOvr>
+</p:notes>
+</file>
+
+<file path=ppt/notesSlides/notesSlide2.xml><?xml version="1.0" encoding="utf-8"?>
+<p:notes xmlns:a="http://schemas.openxmlformats.org/drawingml/2006/main" xmlns:r="http://schemas.openxmlformats.org/officeDocument/2006/relationships" xmlns:p="http://schemas.openxmlformats.org/presentationml/2006/main">
+  <p:cSld>
+    <p:spTree>
+      <p:nvGrpSpPr>
+        <p:cNvPr id="1" name=""/>
+        <p:cNvGrpSpPr/>
+        <p:nvPr/>
+      </p:nvGrpSpPr>
+      <p:grpSpPr>
+        <a:xfrm>
+          <a:off x="0" y="0"/>
+          <a:ext cx="0" cy="0"/>
+          <a:chOff x="0" y="0"/>
+          <a:chExt cx="0" cy="0"/>
+        </a:xfrm>
+      </p:grpSpPr>
+      <p:sp>
+        <p:nvSpPr>
+          <p:cNvPr id="2" name="Slide Image Placeholder 1"/>
+          <p:cNvSpPr>
+            <a:spLocks noGrp="1" noRot="1" noChangeAspect="1"/>
+          </p:cNvSpPr>
+          <p:nvPr>
+            <p:ph type="sldImg"/>
+          </p:nvPr>
+        </p:nvSpPr>
+        <p:spPr/>
+      </p:sp>
+      <p:sp>
+        <p:nvSpPr>
+          <p:cNvPr id="3" name="Notes Placeholder 2"/>
+          <p:cNvSpPr>
+            <a:spLocks noGrp="1"/>
+          </p:cNvSpPr>
+          <p:nvPr>
+            <p:ph type="body" idx="1"/>
+          </p:nvPr>
+        </p:nvSpPr>
+        <p:spPr/>
+        <p:txBody>
+          <a:bodyPr/>
+          <a:lstStyle/>
+          <a:p>
+            <a:endParaRPr lang="en-US"/>
+          </a:p>
+        </p:txBody>
+      </p:sp>
+      <p:sp>
+        <p:nvSpPr>
+          <p:cNvPr id="4" name="Header Placeholder 3"/>
+          <p:cNvSpPr>
+            <a:spLocks noGrp="1"/>
+          </p:cNvSpPr>
+          <p:nvPr>
+            <p:ph type="hdr" sz="quarter"/>
+          </p:nvPr>
+        </p:nvSpPr>
+        <p:spPr/>
+        <p:txBody>
+          <a:bodyPr/>
+          <a:lstStyle/>
+          <a:p>
+            <a:endParaRPr lang="en-US" dirty="0"/>
+          </a:p>
+        </p:txBody>
+      </p:sp>
+      <p:sp>
+        <p:nvSpPr>
+          <p:cNvPr id="5" name="Footer Placeholder 4"/>
+          <p:cNvSpPr>
+            <a:spLocks noGrp="1"/>
+          </p:cNvSpPr>
+          <p:nvPr>
+            <p:ph type="ftr" sz="quarter" idx="4"/>
+          </p:nvPr>
+        </p:nvSpPr>
+        <p:spPr/>
+        <p:txBody>
+          <a:bodyPr/>
+          <a:lstStyle/>
+          <a:p>
+            <a:pPr defTabSz="914099" eaLnBrk="0" hangingPunct="0"/>
+            <a:r>
+              <a:rPr lang="en-US" sz="400">
+                <a:gradFill>
+                  <a:gsLst>
+                    <a:gs pos="0">
+                      <a:prstClr val="black"/>
+                    </a:gs>
+                    <a:gs pos="100000">
+                      <a:prstClr val="black"/>
+                    </a:gs>
+                  </a:gsLst>
+                  <a:lin ang="5400000" scaled="0"/>
+                </a:gradFill>
+                <a:latin typeface="Segoe UI" pitchFamily="34" charset="0"/>
+                <a:ea typeface="Segoe UI" pitchFamily="34" charset="0"/>
+                <a:cs typeface="Segoe UI" pitchFamily="34" charset="0"/>
+              </a:rPr>
+              <a:t>© 2012 Microsoft Corporation. All rights reserved. Microsoft, Windows, and other product names are or may be registered trademarks and/or trademarks in the U.S. and/or other countries.</a:t>
+            </a:r>
+          </a:p>
+          <a:p>
+            <a:pPr defTabSz="914099" eaLnBrk="0" hangingPunct="0"/>
+            <a:r>
+              <a:rPr lang="en-US" sz="400">
+                <a:gradFill>
+                  <a:gsLst>
+                    <a:gs pos="0">
+                      <a:prstClr val="black"/>
+                    </a:gs>
+                    <a:gs pos="100000">
+                      <a:prstClr val="black"/>
+                    </a:gs>
+                  </a:gsLst>
+                  <a:lin ang="5400000" scaled="0"/>
+                </a:gradFill>
+                <a:latin typeface="Segoe UI" pitchFamily="34" charset="0"/>
+                <a:ea typeface="Segoe UI" pitchFamily="34" charset="0"/>
+                <a:cs typeface="Segoe UI" pitchFamily="34" charset="0"/>
+              </a:rPr>
+              <a:t>The information herein is for informational purposes only and represents the current view of Microsoft Corporation as of the date of this presentation.  Because Microsoft must respond to changing market conditions, it should not be interpreted to be a commitment on the part of Microsoft, and Microsoft cannot guarantee the accuracy of any information provided after the date of this presentation.  MICROSOFT MAKES NO WARRANTIES, EXPRESS, IMPLIED OR STATUTORY, AS TO THE INFORMATION IN THIS PRESENTATION.</a:t>
+            </a:r>
+            <a:endParaRPr lang="en-US" sz="400" dirty="0">
+              <a:gradFill>
+                <a:gsLst>
+                  <a:gs pos="0">
+                    <a:prstClr val="black"/>
+                  </a:gs>
+                  <a:gs pos="100000">
+                    <a:prstClr val="black"/>
+                  </a:gs>
+                </a:gsLst>
+                <a:lin ang="5400000" scaled="0"/>
+              </a:gradFill>
+              <a:latin typeface="Segoe UI" pitchFamily="34" charset="0"/>
+              <a:ea typeface="Segoe UI" pitchFamily="34" charset="0"/>
+              <a:cs typeface="Segoe UI" pitchFamily="34" charset="0"/>
+            </a:endParaRPr>
+          </a:p>
+        </p:txBody>
+      </p:sp>
+      <p:sp>
+        <p:nvSpPr>
+          <p:cNvPr id="6" name="Date Placeholder 5"/>
+          <p:cNvSpPr>
+            <a:spLocks noGrp="1"/>
+          </p:cNvSpPr>
+          <p:nvPr>
+            <p:ph type="dt" idx="1"/>
+          </p:nvPr>
+        </p:nvSpPr>
+        <p:spPr/>
+        <p:txBody>
+          <a:bodyPr/>
+          <a:lstStyle/>
+          <a:p>
+            <a:fld id="{A2F80D1E-9BB7-3E4A-A07B-506B5A450EB9}" type="datetime1">
+              <a:rPr lang="en-US" smtClean="0"/>
+              <a:t>6/9/19</a:t>
+            </a:fld>
+            <a:endParaRPr lang="en-US" dirty="0"/>
+          </a:p>
+        </p:txBody>
+      </p:sp>
+      <p:sp>
+        <p:nvSpPr>
+          <p:cNvPr id="7" name="Slide Number Placeholder 6"/>
+          <p:cNvSpPr>
+            <a:spLocks noGrp="1"/>
+          </p:cNvSpPr>
+          <p:nvPr>
+            <p:ph type="sldNum" sz="quarter" idx="5"/>
+          </p:nvPr>
+        </p:nvSpPr>
+        <p:spPr/>
+        <p:txBody>
+          <a:bodyPr/>
+          <a:lstStyle/>
+          <a:p>
+            <a:fld id="{B4008EB6-D09E-4580-8CD6-DDB14511944F}" type="slidenum">
+              <a:rPr lang="en-US" smtClean="0"/>
+              <a:pPr/>
+              <a:t>2</a:t>
+            </a:fld>
+            <a:endParaRPr lang="en-US" dirty="0"/>
+          </a:p>
+        </p:txBody>
+      </p:sp>
+    </p:spTree>
+    <p:extLst>
+      <p:ext uri="{BB962C8B-B14F-4D97-AF65-F5344CB8AC3E}">
+        <p14:creationId xmlns:p14="http://schemas.microsoft.com/office/powerpoint/2010/main" val="1632902895"/>
+      </p:ext>
+    </p:extLst>
+  </p:cSld>
+  <p:clrMapOvr>
+    <a:masterClrMapping/>
+  </p:clrMapOvr>
+</p:notes>
+</file>
+
+<file path=ppt/notesSlides/notesSlide3.xml><?xml version="1.0" encoding="utf-8"?>
+<p:notes xmlns:a="http://schemas.openxmlformats.org/drawingml/2006/main" xmlns:r="http://schemas.openxmlformats.org/officeDocument/2006/relationships" xmlns:p="http://schemas.openxmlformats.org/presentationml/2006/main">
+  <p:cSld>
+    <p:spTree>
+      <p:nvGrpSpPr>
+        <p:cNvPr id="1" name=""/>
+        <p:cNvGrpSpPr/>
+        <p:nvPr/>
+      </p:nvGrpSpPr>
+      <p:grpSpPr>
+        <a:xfrm>
+          <a:off x="0" y="0"/>
+          <a:ext cx="0" cy="0"/>
+          <a:chOff x="0" y="0"/>
+          <a:chExt cx="0" cy="0"/>
+        </a:xfrm>
+      </p:grpSpPr>
+      <p:sp>
+        <p:nvSpPr>
+          <p:cNvPr id="2" name="Slide Image Placeholder 1"/>
+          <p:cNvSpPr>
+            <a:spLocks noGrp="1" noRot="1" noChangeAspect="1"/>
+          </p:cNvSpPr>
+          <p:nvPr>
+            <p:ph type="sldImg"/>
+          </p:nvPr>
+        </p:nvSpPr>
+        <p:spPr/>
+      </p:sp>
+      <p:sp>
+        <p:nvSpPr>
+          <p:cNvPr id="3" name="Notes Placeholder 2"/>
+          <p:cNvSpPr>
+            <a:spLocks noGrp="1"/>
+          </p:cNvSpPr>
+          <p:nvPr>
+            <p:ph type="body" idx="1"/>
+          </p:nvPr>
+        </p:nvSpPr>
+        <p:spPr/>
+        <p:txBody>
+          <a:bodyPr/>
+          <a:lstStyle/>
+          <a:p>
+            <a:endParaRPr lang="en-US"/>
+          </a:p>
+        </p:txBody>
+      </p:sp>
+      <p:sp>
+        <p:nvSpPr>
+          <p:cNvPr id="4" name="Header Placeholder 3"/>
+          <p:cNvSpPr>
+            <a:spLocks noGrp="1"/>
+          </p:cNvSpPr>
+          <p:nvPr>
+            <p:ph type="hdr" sz="quarter"/>
+          </p:nvPr>
+        </p:nvSpPr>
+        <p:spPr/>
+        <p:txBody>
+          <a:bodyPr/>
+          <a:lstStyle/>
+          <a:p>
+            <a:endParaRPr lang="en-US" dirty="0"/>
+          </a:p>
+        </p:txBody>
+      </p:sp>
+      <p:sp>
+        <p:nvSpPr>
+          <p:cNvPr id="5" name="Footer Placeholder 4"/>
+          <p:cNvSpPr>
+            <a:spLocks noGrp="1"/>
+          </p:cNvSpPr>
+          <p:nvPr>
+            <p:ph type="ftr" sz="quarter" idx="4"/>
+          </p:nvPr>
+        </p:nvSpPr>
+        <p:spPr/>
+        <p:txBody>
+          <a:bodyPr/>
+          <a:lstStyle/>
+          <a:p>
+            <a:pPr defTabSz="914099" eaLnBrk="0" hangingPunct="0"/>
+            <a:r>
+              <a:rPr lang="en-US" sz="400">
+                <a:gradFill>
+                  <a:gsLst>
+                    <a:gs pos="0">
+                      <a:prstClr val="black"/>
+                    </a:gs>
+                    <a:gs pos="100000">
+                      <a:prstClr val="black"/>
+                    </a:gs>
+                  </a:gsLst>
+                  <a:lin ang="5400000" scaled="0"/>
+                </a:gradFill>
+                <a:latin typeface="Segoe UI" pitchFamily="34" charset="0"/>
+                <a:ea typeface="Segoe UI" pitchFamily="34" charset="0"/>
+                <a:cs typeface="Segoe UI" pitchFamily="34" charset="0"/>
+              </a:rPr>
+              <a:t>© 2012 Microsoft Corporation. All rights reserved. Microsoft, Windows, and other product names are or may be registered trademarks and/or trademarks in the U.S. and/or other countries.</a:t>
+            </a:r>
+          </a:p>
+          <a:p>
+            <a:pPr defTabSz="914099" eaLnBrk="0" hangingPunct="0"/>
+            <a:r>
+              <a:rPr lang="en-US" sz="400">
+                <a:gradFill>
+                  <a:gsLst>
+                    <a:gs pos="0">
+                      <a:prstClr val="black"/>
+                    </a:gs>
+                    <a:gs pos="100000">
+                      <a:prstClr val="black"/>
+                    </a:gs>
+                  </a:gsLst>
+                  <a:lin ang="5400000" scaled="0"/>
+                </a:gradFill>
+                <a:latin typeface="Segoe UI" pitchFamily="34" charset="0"/>
+                <a:ea typeface="Segoe UI" pitchFamily="34" charset="0"/>
+                <a:cs typeface="Segoe UI" pitchFamily="34" charset="0"/>
+              </a:rPr>
+              <a:t>The information herein is for informational purposes only and represents the current view of Microsoft Corporation as of the date of this presentation.  Because Microsoft must respond to changing market conditions, it should not be interpreted to be a commitment on the part of Microsoft, and Microsoft cannot guarantee the accuracy of any information provided after the date of this presentation.  MICROSOFT MAKES NO WARRANTIES, EXPRESS, IMPLIED OR STATUTORY, AS TO THE INFORMATION IN THIS PRESENTATION.</a:t>
+            </a:r>
+            <a:endParaRPr lang="en-US" sz="400" dirty="0">
+              <a:gradFill>
+                <a:gsLst>
+                  <a:gs pos="0">
+                    <a:prstClr val="black"/>
+                  </a:gs>
+                  <a:gs pos="100000">
+                    <a:prstClr val="black"/>
+                  </a:gs>
+                </a:gsLst>
+                <a:lin ang="5400000" scaled="0"/>
+              </a:gradFill>
+              <a:latin typeface="Segoe UI" pitchFamily="34" charset="0"/>
+              <a:ea typeface="Segoe UI" pitchFamily="34" charset="0"/>
+              <a:cs typeface="Segoe UI" pitchFamily="34" charset="0"/>
+            </a:endParaRPr>
+          </a:p>
+        </p:txBody>
+      </p:sp>
+      <p:sp>
+        <p:nvSpPr>
+          <p:cNvPr id="6" name="Date Placeholder 5"/>
+          <p:cNvSpPr>
+            <a:spLocks noGrp="1"/>
+          </p:cNvSpPr>
+          <p:nvPr>
+            <p:ph type="dt" idx="1"/>
+          </p:nvPr>
+        </p:nvSpPr>
+        <p:spPr/>
+        <p:txBody>
+          <a:bodyPr/>
+          <a:lstStyle/>
+          <a:p>
+            <a:fld id="{2CC38E55-4D15-FF41-95D7-947B6B24F6A2}" type="datetime1">
+              <a:rPr lang="en-US" smtClean="0"/>
+              <a:t>6/9/19</a:t>
+            </a:fld>
+            <a:endParaRPr lang="en-US" dirty="0"/>
+          </a:p>
+        </p:txBody>
+      </p:sp>
+      <p:sp>
+        <p:nvSpPr>
+          <p:cNvPr id="7" name="Slide Number Placeholder 6"/>
+          <p:cNvSpPr>
+            <a:spLocks noGrp="1"/>
+          </p:cNvSpPr>
+          <p:nvPr>
+            <p:ph type="sldNum" sz="quarter" idx="5"/>
+          </p:nvPr>
+        </p:nvSpPr>
+        <p:spPr/>
+        <p:txBody>
+          <a:bodyPr/>
+          <a:lstStyle/>
+          <a:p>
+            <a:fld id="{B4008EB6-D09E-4580-8CD6-DDB14511944F}" type="slidenum">
+              <a:rPr lang="en-US" smtClean="0"/>
+              <a:pPr/>
+              <a:t>3</a:t>
+            </a:fld>
+            <a:endParaRPr lang="en-US" dirty="0"/>
+          </a:p>
+        </p:txBody>
+      </p:sp>
+    </p:spTree>
+    <p:extLst>
+      <p:ext uri="{BB962C8B-B14F-4D97-AF65-F5344CB8AC3E}">
+        <p14:creationId xmlns:p14="http://schemas.microsoft.com/office/powerpoint/2010/main" val="1879805285"/>
+      </p:ext>
+    </p:extLst>
+  </p:cSld>
+  <p:clrMapOvr>
+    <a:masterClrMapping/>
+  </p:clrMapOvr>
+</p:notes>
+</file>
+
+<file path=ppt/notesSlides/notesSlide4.xml><?xml version="1.0" encoding="utf-8"?>
+<p:notes xmlns:a="http://schemas.openxmlformats.org/drawingml/2006/main" xmlns:r="http://schemas.openxmlformats.org/officeDocument/2006/relationships" xmlns:p="http://schemas.openxmlformats.org/presentationml/2006/main">
+  <p:cSld>
+    <p:spTree>
+      <p:nvGrpSpPr>
+        <p:cNvPr id="1" name=""/>
+        <p:cNvGrpSpPr/>
+        <p:nvPr/>
+      </p:nvGrpSpPr>
+      <p:grpSpPr>
+        <a:xfrm>
+          <a:off x="0" y="0"/>
+          <a:ext cx="0" cy="0"/>
+          <a:chOff x="0" y="0"/>
+          <a:chExt cx="0" cy="0"/>
+        </a:xfrm>
+      </p:grpSpPr>
+      <p:sp>
+        <p:nvSpPr>
+          <p:cNvPr id="2" name="Slide Image Placeholder 1"/>
+          <p:cNvSpPr>
+            <a:spLocks noGrp="1" noRot="1" noChangeAspect="1"/>
+          </p:cNvSpPr>
+          <p:nvPr>
+            <p:ph type="sldImg"/>
+          </p:nvPr>
+        </p:nvSpPr>
+        <p:spPr/>
+      </p:sp>
+      <p:sp>
+        <p:nvSpPr>
+          <p:cNvPr id="3" name="Notes Placeholder 2"/>
+          <p:cNvSpPr>
+            <a:spLocks noGrp="1"/>
+          </p:cNvSpPr>
+          <p:nvPr>
+            <p:ph type="body" idx="1"/>
+          </p:nvPr>
+        </p:nvSpPr>
+        <p:spPr/>
+        <p:txBody>
+          <a:bodyPr/>
+          <a:lstStyle/>
+          <a:p>
+            <a:endParaRPr lang="en-US"/>
+          </a:p>
+        </p:txBody>
+      </p:sp>
+      <p:sp>
+        <p:nvSpPr>
+          <p:cNvPr id="4" name="Header Placeholder 3"/>
+          <p:cNvSpPr>
+            <a:spLocks noGrp="1"/>
+          </p:cNvSpPr>
+          <p:nvPr>
+            <p:ph type="hdr" sz="quarter"/>
+          </p:nvPr>
+        </p:nvSpPr>
+        <p:spPr/>
+        <p:txBody>
+          <a:bodyPr/>
+          <a:lstStyle/>
+          <a:p>
+            <a:endParaRPr lang="en-US" dirty="0"/>
+          </a:p>
+        </p:txBody>
+      </p:sp>
+      <p:sp>
+        <p:nvSpPr>
+          <p:cNvPr id="5" name="Footer Placeholder 4"/>
+          <p:cNvSpPr>
+            <a:spLocks noGrp="1"/>
+          </p:cNvSpPr>
+          <p:nvPr>
+            <p:ph type="ftr" sz="quarter" idx="4"/>
+          </p:nvPr>
+        </p:nvSpPr>
+        <p:spPr/>
+        <p:txBody>
+          <a:bodyPr/>
+          <a:lstStyle/>
+          <a:p>
+            <a:pPr defTabSz="914099" eaLnBrk="0" hangingPunct="0"/>
+            <a:r>
+              <a:rPr lang="en-US" sz="400">
+                <a:gradFill>
+                  <a:gsLst>
+                    <a:gs pos="0">
+                      <a:prstClr val="black"/>
+                    </a:gs>
+                    <a:gs pos="100000">
+                      <a:prstClr val="black"/>
+                    </a:gs>
+                  </a:gsLst>
+                  <a:lin ang="5400000" scaled="0"/>
+                </a:gradFill>
+                <a:latin typeface="Segoe UI" pitchFamily="34" charset="0"/>
+                <a:ea typeface="Segoe UI" pitchFamily="34" charset="0"/>
+                <a:cs typeface="Segoe UI" pitchFamily="34" charset="0"/>
+              </a:rPr>
+              <a:t>© 2012 Microsoft Corporation. All rights reserved. Microsoft, Windows, and other product names are or may be registered trademarks and/or trademarks in the U.S. and/or other countries.</a:t>
+            </a:r>
+          </a:p>
+          <a:p>
+            <a:pPr defTabSz="914099" eaLnBrk="0" hangingPunct="0"/>
+            <a:r>
+              <a:rPr lang="en-US" sz="400">
+                <a:gradFill>
+                  <a:gsLst>
+                    <a:gs pos="0">
+                      <a:prstClr val="black"/>
+                    </a:gs>
+                    <a:gs pos="100000">
+                      <a:prstClr val="black"/>
+                    </a:gs>
+                  </a:gsLst>
+                  <a:lin ang="5400000" scaled="0"/>
+                </a:gradFill>
+                <a:latin typeface="Segoe UI" pitchFamily="34" charset="0"/>
+                <a:ea typeface="Segoe UI" pitchFamily="34" charset="0"/>
+                <a:cs typeface="Segoe UI" pitchFamily="34" charset="0"/>
+              </a:rPr>
+              <a:t>The information herein is for informational purposes only and represents the current view of Microsoft Corporation as of the date of this presentation.  Because Microsoft must respond to changing market conditions, it should not be interpreted to be a commitment on the part of Microsoft, and Microsoft cannot guarantee the accuracy of any information provided after the date of this presentation.  MICROSOFT MAKES NO WARRANTIES, EXPRESS, IMPLIED OR STATUTORY, AS TO THE INFORMATION IN THIS PRESENTATION.</a:t>
+            </a:r>
+            <a:endParaRPr lang="en-US" sz="400" dirty="0">
+              <a:gradFill>
+                <a:gsLst>
+                  <a:gs pos="0">
+                    <a:prstClr val="black"/>
+                  </a:gs>
+                  <a:gs pos="100000">
+                    <a:prstClr val="black"/>
+                  </a:gs>
+                </a:gsLst>
+                <a:lin ang="5400000" scaled="0"/>
+              </a:gradFill>
+              <a:latin typeface="Segoe UI" pitchFamily="34" charset="0"/>
+              <a:ea typeface="Segoe UI" pitchFamily="34" charset="0"/>
+              <a:cs typeface="Segoe UI" pitchFamily="34" charset="0"/>
+            </a:endParaRPr>
+          </a:p>
+        </p:txBody>
+      </p:sp>
+      <p:sp>
+        <p:nvSpPr>
+          <p:cNvPr id="6" name="Date Placeholder 5"/>
+          <p:cNvSpPr>
+            <a:spLocks noGrp="1"/>
+          </p:cNvSpPr>
+          <p:nvPr>
+            <p:ph type="dt" idx="1"/>
+          </p:nvPr>
+        </p:nvSpPr>
+        <p:spPr/>
+        <p:txBody>
+          <a:bodyPr/>
+          <a:lstStyle/>
+          <a:p>
+            <a:fld id="{88CF5C58-8920-5340-87E4-AA96765D5BFA}" type="datetime1">
+              <a:rPr lang="en-US" smtClean="0"/>
+              <a:t>6/9/19</a:t>
+            </a:fld>
+            <a:endParaRPr lang="en-US" dirty="0"/>
+          </a:p>
+        </p:txBody>
+      </p:sp>
+      <p:sp>
+        <p:nvSpPr>
+          <p:cNvPr id="7" name="Slide Number Placeholder 6"/>
+          <p:cNvSpPr>
+            <a:spLocks noGrp="1"/>
+          </p:cNvSpPr>
+          <p:nvPr>
+            <p:ph type="sldNum" sz="quarter" idx="5"/>
+          </p:nvPr>
+        </p:nvSpPr>
+        <p:spPr/>
+        <p:txBody>
+          <a:bodyPr/>
+          <a:lstStyle/>
+          <a:p>
+            <a:fld id="{B4008EB6-D09E-4580-8CD6-DDB14511944F}" type="slidenum">
+              <a:rPr lang="en-US" smtClean="0"/>
+              <a:pPr/>
+              <a:t>4</a:t>
+            </a:fld>
+            <a:endParaRPr lang="en-US" dirty="0"/>
+          </a:p>
+        </p:txBody>
+      </p:sp>
+    </p:spTree>
+    <p:extLst>
+      <p:ext uri="{BB962C8B-B14F-4D97-AF65-F5344CB8AC3E}">
+        <p14:creationId xmlns:p14="http://schemas.microsoft.com/office/powerpoint/2010/main" val="2024124525"/>
+      </p:ext>
+    </p:extLst>
+  </p:cSld>
+  <p:clrMapOvr>
+    <a:masterClrMapping/>
+  </p:clrMapOvr>
+</p:notes>
+</file>
+
+<file path=ppt/notesSlides/notesSlide5.xml><?xml version="1.0" encoding="utf-8"?>
+<p:notes xmlns:a="http://schemas.openxmlformats.org/drawingml/2006/main" xmlns:r="http://schemas.openxmlformats.org/officeDocument/2006/relationships" xmlns:p="http://schemas.openxmlformats.org/presentationml/2006/main">
+  <p:cSld>
+    <p:spTree>
+      <p:nvGrpSpPr>
+        <p:cNvPr id="1" name=""/>
+        <p:cNvGrpSpPr/>
+        <p:nvPr/>
+      </p:nvGrpSpPr>
+      <p:grpSpPr>
+        <a:xfrm>
+          <a:off x="0" y="0"/>
+          <a:ext cx="0" cy="0"/>
+          <a:chOff x="0" y="0"/>
+          <a:chExt cx="0" cy="0"/>
+        </a:xfrm>
+      </p:grpSpPr>
+      <p:sp>
+        <p:nvSpPr>
+          <p:cNvPr id="2" name="Slide Image Placeholder 1"/>
+          <p:cNvSpPr>
+            <a:spLocks noGrp="1" noRot="1" noChangeAspect="1"/>
+          </p:cNvSpPr>
+          <p:nvPr>
+            <p:ph type="sldImg"/>
+          </p:nvPr>
+        </p:nvSpPr>
+        <p:spPr/>
+      </p:sp>
+      <p:sp>
+        <p:nvSpPr>
+          <p:cNvPr id="3" name="Notes Placeholder 2"/>
+          <p:cNvSpPr>
+            <a:spLocks noGrp="1"/>
+          </p:cNvSpPr>
+          <p:nvPr>
+            <p:ph type="body" idx="1"/>
+          </p:nvPr>
+        </p:nvSpPr>
+        <p:spPr/>
+        <p:txBody>
+          <a:bodyPr/>
+          <a:lstStyle/>
+          <a:p>
+            <a:endParaRPr lang="en-US"/>
+          </a:p>
+        </p:txBody>
+      </p:sp>
+      <p:sp>
+        <p:nvSpPr>
+          <p:cNvPr id="4" name="Header Placeholder 3"/>
+          <p:cNvSpPr>
+            <a:spLocks noGrp="1"/>
+          </p:cNvSpPr>
+          <p:nvPr>
+            <p:ph type="hdr" sz="quarter"/>
+          </p:nvPr>
+        </p:nvSpPr>
+        <p:spPr/>
+        <p:txBody>
+          <a:bodyPr/>
+          <a:lstStyle/>
+          <a:p>
+            <a:endParaRPr lang="en-US" dirty="0"/>
+          </a:p>
+        </p:txBody>
+      </p:sp>
+      <p:sp>
+        <p:nvSpPr>
+          <p:cNvPr id="5" name="Footer Placeholder 4"/>
+          <p:cNvSpPr>
+            <a:spLocks noGrp="1"/>
+          </p:cNvSpPr>
+          <p:nvPr>
+            <p:ph type="ftr" sz="quarter" idx="4"/>
+          </p:nvPr>
+        </p:nvSpPr>
+        <p:spPr/>
+        <p:txBody>
+          <a:bodyPr/>
+          <a:lstStyle/>
+          <a:p>
+            <a:pPr defTabSz="914099" eaLnBrk="0" hangingPunct="0"/>
+            <a:r>
+              <a:rPr lang="en-US" sz="400">
+                <a:gradFill>
+                  <a:gsLst>
+                    <a:gs pos="0">
+                      <a:prstClr val="black"/>
+                    </a:gs>
+                    <a:gs pos="100000">
+                      <a:prstClr val="black"/>
+                    </a:gs>
+                  </a:gsLst>
+                  <a:lin ang="5400000" scaled="0"/>
+                </a:gradFill>
+                <a:latin typeface="Segoe UI" pitchFamily="34" charset="0"/>
+                <a:ea typeface="Segoe UI" pitchFamily="34" charset="0"/>
+                <a:cs typeface="Segoe UI" pitchFamily="34" charset="0"/>
+              </a:rPr>
+              <a:t>© 2012 Microsoft Corporation. All rights reserved. Microsoft, Windows, and other product names are or may be registered trademarks and/or trademarks in the U.S. and/or other countries.</a:t>
+            </a:r>
+          </a:p>
+          <a:p>
+            <a:pPr defTabSz="914099" eaLnBrk="0" hangingPunct="0"/>
+            <a:r>
+              <a:rPr lang="en-US" sz="400">
+                <a:gradFill>
+                  <a:gsLst>
+                    <a:gs pos="0">
+                      <a:prstClr val="black"/>
+                    </a:gs>
+                    <a:gs pos="100000">
+                      <a:prstClr val="black"/>
+                    </a:gs>
+                  </a:gsLst>
+                  <a:lin ang="5400000" scaled="0"/>
+                </a:gradFill>
+                <a:latin typeface="Segoe UI" pitchFamily="34" charset="0"/>
+                <a:ea typeface="Segoe UI" pitchFamily="34" charset="0"/>
+                <a:cs typeface="Segoe UI" pitchFamily="34" charset="0"/>
+              </a:rPr>
+              <a:t>The information herein is for informational purposes only and represents the current view of Microsoft Corporation as of the date of this presentation.  Because Microsoft must respond to changing market conditions, it should not be interpreted to be a commitment on the part of Microsoft, and Microsoft cannot guarantee the accuracy of any information provided after the date of this presentation.  MICROSOFT MAKES NO WARRANTIES, EXPRESS, IMPLIED OR STATUTORY, AS TO THE INFORMATION IN THIS PRESENTATION.</a:t>
+            </a:r>
+            <a:endParaRPr lang="en-US" sz="400" dirty="0">
+              <a:gradFill>
+                <a:gsLst>
+                  <a:gs pos="0">
+                    <a:prstClr val="black"/>
+                  </a:gs>
+                  <a:gs pos="100000">
+                    <a:prstClr val="black"/>
+                  </a:gs>
+                </a:gsLst>
+                <a:lin ang="5400000" scaled="0"/>
+              </a:gradFill>
+              <a:latin typeface="Segoe UI" pitchFamily="34" charset="0"/>
+              <a:ea typeface="Segoe UI" pitchFamily="34" charset="0"/>
+              <a:cs typeface="Segoe UI" pitchFamily="34" charset="0"/>
+            </a:endParaRPr>
+          </a:p>
+        </p:txBody>
+      </p:sp>
+      <p:sp>
+        <p:nvSpPr>
+          <p:cNvPr id="6" name="Date Placeholder 5"/>
+          <p:cNvSpPr>
+            <a:spLocks noGrp="1"/>
+          </p:cNvSpPr>
+          <p:nvPr>
+            <p:ph type="dt" idx="1"/>
+          </p:nvPr>
+        </p:nvSpPr>
+        <p:spPr/>
+        <p:txBody>
+          <a:bodyPr/>
+          <a:lstStyle/>
+          <a:p>
+            <a:fld id="{2E78417D-D831-3149-81FB-4412A9D9D9EA}" type="datetime1">
+              <a:rPr lang="en-US" smtClean="0"/>
+              <a:t>6/9/19</a:t>
+            </a:fld>
+            <a:endParaRPr lang="en-US" dirty="0"/>
+          </a:p>
+        </p:txBody>
+      </p:sp>
+      <p:sp>
+        <p:nvSpPr>
+          <p:cNvPr id="7" name="Slide Number Placeholder 6"/>
+          <p:cNvSpPr>
+            <a:spLocks noGrp="1"/>
+          </p:cNvSpPr>
+          <p:nvPr>
+            <p:ph type="sldNum" sz="quarter" idx="5"/>
+          </p:nvPr>
+        </p:nvSpPr>
+        <p:spPr/>
+        <p:txBody>
+          <a:bodyPr/>
+          <a:lstStyle/>
+          <a:p>
+            <a:fld id="{B4008EB6-D09E-4580-8CD6-DDB14511944F}" type="slidenum">
+              <a:rPr lang="en-US" smtClean="0"/>
+              <a:pPr/>
+              <a:t>5</a:t>
+            </a:fld>
+            <a:endParaRPr lang="en-US" dirty="0"/>
+          </a:p>
+        </p:txBody>
+      </p:sp>
+    </p:spTree>
+    <p:extLst>
+      <p:ext uri="{BB962C8B-B14F-4D97-AF65-F5344CB8AC3E}">
+        <p14:creationId xmlns:p14="http://schemas.microsoft.com/office/powerpoint/2010/main" val="3224253349"/>
+      </p:ext>
+    </p:extLst>
+  </p:cSld>
+  <p:clrMapOvr>
+    <a:masterClrMapping/>
+  </p:clrMapOvr>
+</p:notes>
+</file>
+
+<file path=ppt/notesSlides/notesSlide6.xml><?xml version="1.0" encoding="utf-8"?>
+<p:notes xmlns:a="http://schemas.openxmlformats.org/drawingml/2006/main" xmlns:r="http://schemas.openxmlformats.org/officeDocument/2006/relationships" xmlns:p="http://schemas.openxmlformats.org/presentationml/2006/main">
+  <p:cSld>
+    <p:spTree>
+      <p:nvGrpSpPr>
+        <p:cNvPr id="1" name=""/>
+        <p:cNvGrpSpPr/>
+        <p:nvPr/>
+      </p:nvGrpSpPr>
+      <p:grpSpPr>
+        <a:xfrm>
+          <a:off x="0" y="0"/>
+          <a:ext cx="0" cy="0"/>
+          <a:chOff x="0" y="0"/>
+          <a:chExt cx="0" cy="0"/>
+        </a:xfrm>
+      </p:grpSpPr>
+      <p:sp>
+        <p:nvSpPr>
+          <p:cNvPr id="2" name="Slide Image Placeholder 1"/>
+          <p:cNvSpPr>
+            <a:spLocks noGrp="1" noRot="1" noChangeAspect="1"/>
+          </p:cNvSpPr>
+          <p:nvPr>
+            <p:ph type="sldImg"/>
+          </p:nvPr>
+        </p:nvSpPr>
+        <p:spPr/>
+      </p:sp>
+      <p:sp>
+        <p:nvSpPr>
+          <p:cNvPr id="3" name="Notes Placeholder 2"/>
+          <p:cNvSpPr>
+            <a:spLocks noGrp="1"/>
+          </p:cNvSpPr>
+          <p:nvPr>
+            <p:ph type="body" idx="1"/>
+          </p:nvPr>
+        </p:nvSpPr>
+        <p:spPr/>
+        <p:txBody>
+          <a:bodyPr/>
+          <a:lstStyle/>
+          <a:p>
+            <a:endParaRPr lang="en-US"/>
+          </a:p>
+        </p:txBody>
+      </p:sp>
+      <p:sp>
+        <p:nvSpPr>
+          <p:cNvPr id="4" name="Header Placeholder 3"/>
+          <p:cNvSpPr>
+            <a:spLocks noGrp="1"/>
+          </p:cNvSpPr>
+          <p:nvPr>
+            <p:ph type="hdr" sz="quarter"/>
+          </p:nvPr>
+        </p:nvSpPr>
+        <p:spPr/>
+        <p:txBody>
+          <a:bodyPr/>
+          <a:lstStyle/>
+          <a:p>
+            <a:endParaRPr lang="en-US" dirty="0"/>
+          </a:p>
+        </p:txBody>
+      </p:sp>
+      <p:sp>
+        <p:nvSpPr>
+          <p:cNvPr id="5" name="Footer Placeholder 4"/>
+          <p:cNvSpPr>
+            <a:spLocks noGrp="1"/>
+          </p:cNvSpPr>
+          <p:nvPr>
+            <p:ph type="ftr" sz="quarter" idx="4"/>
+          </p:nvPr>
+        </p:nvSpPr>
+        <p:spPr/>
+        <p:txBody>
+          <a:bodyPr/>
+          <a:lstStyle/>
+          <a:p>
+            <a:pPr defTabSz="914099" eaLnBrk="0" hangingPunct="0"/>
+            <a:r>
+              <a:rPr lang="en-US" sz="400">
+                <a:gradFill>
+                  <a:gsLst>
+                    <a:gs pos="0">
+                      <a:prstClr val="black"/>
+                    </a:gs>
+                    <a:gs pos="100000">
+                      <a:prstClr val="black"/>
+                    </a:gs>
+                  </a:gsLst>
+                  <a:lin ang="5400000" scaled="0"/>
+                </a:gradFill>
+                <a:latin typeface="Segoe UI" pitchFamily="34" charset="0"/>
+                <a:ea typeface="Segoe UI" pitchFamily="34" charset="0"/>
+                <a:cs typeface="Segoe UI" pitchFamily="34" charset="0"/>
+              </a:rPr>
+              <a:t>© 2012 Microsoft Corporation. All rights reserved. Microsoft, Windows, and other product names are or may be registered trademarks and/or trademarks in the U.S. and/or other countries.</a:t>
+            </a:r>
+          </a:p>
+          <a:p>
+            <a:pPr defTabSz="914099" eaLnBrk="0" hangingPunct="0"/>
+            <a:r>
+              <a:rPr lang="en-US" sz="400">
+                <a:gradFill>
+                  <a:gsLst>
+                    <a:gs pos="0">
+                      <a:prstClr val="black"/>
+                    </a:gs>
+                    <a:gs pos="100000">
+                      <a:prstClr val="black"/>
+                    </a:gs>
+                  </a:gsLst>
+                  <a:lin ang="5400000" scaled="0"/>
+                </a:gradFill>
+                <a:latin typeface="Segoe UI" pitchFamily="34" charset="0"/>
+                <a:ea typeface="Segoe UI" pitchFamily="34" charset="0"/>
+                <a:cs typeface="Segoe UI" pitchFamily="34" charset="0"/>
+              </a:rPr>
+              <a:t>The information herein is for informational purposes only and represents the current view of Microsoft Corporation as of the date of this presentation.  Because Microsoft must respond to changing market conditions, it should not be interpreted to be a commitment on the part of Microsoft, and Microsoft cannot guarantee the accuracy of any information provided after the date of this presentation.  MICROSOFT MAKES NO WARRANTIES, EXPRESS, IMPLIED OR STATUTORY, AS TO THE INFORMATION IN THIS PRESENTATION.</a:t>
+            </a:r>
+            <a:endParaRPr lang="en-US" sz="400" dirty="0">
+              <a:gradFill>
+                <a:gsLst>
+                  <a:gs pos="0">
+                    <a:prstClr val="black"/>
+                  </a:gs>
+                  <a:gs pos="100000">
+                    <a:prstClr val="black"/>
+                  </a:gs>
+                </a:gsLst>
+                <a:lin ang="5400000" scaled="0"/>
+              </a:gradFill>
+              <a:latin typeface="Segoe UI" pitchFamily="34" charset="0"/>
+              <a:ea typeface="Segoe UI" pitchFamily="34" charset="0"/>
+              <a:cs typeface="Segoe UI" pitchFamily="34" charset="0"/>
+            </a:endParaRPr>
+          </a:p>
+        </p:txBody>
+      </p:sp>
+      <p:sp>
+        <p:nvSpPr>
+          <p:cNvPr id="6" name="Date Placeholder 5"/>
+          <p:cNvSpPr>
+            <a:spLocks noGrp="1"/>
+          </p:cNvSpPr>
+          <p:nvPr>
+            <p:ph type="dt" idx="1"/>
+          </p:nvPr>
+        </p:nvSpPr>
+        <p:spPr/>
+        <p:txBody>
+          <a:bodyPr/>
+          <a:lstStyle/>
+          <a:p>
+            <a:fld id="{A40AB584-262F-C941-90EB-DE58EC429993}" type="datetime1">
+              <a:rPr lang="en-US" smtClean="0"/>
+              <a:t>6/9/19</a:t>
+            </a:fld>
+            <a:endParaRPr lang="en-US" dirty="0"/>
+          </a:p>
+        </p:txBody>
+      </p:sp>
+      <p:sp>
+        <p:nvSpPr>
+          <p:cNvPr id="7" name="Slide Number Placeholder 6"/>
+          <p:cNvSpPr>
+            <a:spLocks noGrp="1"/>
+          </p:cNvSpPr>
+          <p:nvPr>
+            <p:ph type="sldNum" sz="quarter" idx="5"/>
+          </p:nvPr>
+        </p:nvSpPr>
+        <p:spPr/>
+        <p:txBody>
+          <a:bodyPr/>
+          <a:lstStyle/>
+          <a:p>
+            <a:fld id="{B4008EB6-D09E-4580-8CD6-DDB14511944F}" type="slidenum">
+              <a:rPr lang="en-US" smtClean="0"/>
+              <a:pPr/>
+              <a:t>6</a:t>
+            </a:fld>
+            <a:endParaRPr lang="en-US" dirty="0"/>
+          </a:p>
+        </p:txBody>
+      </p:sp>
+    </p:spTree>
+    <p:extLst>
+      <p:ext uri="{BB962C8B-B14F-4D97-AF65-F5344CB8AC3E}">
+        <p14:creationId xmlns:p14="http://schemas.microsoft.com/office/powerpoint/2010/main" val="4076103761"/>
+      </p:ext>
+    </p:extLst>
+  </p:cSld>
+  <p:clrMapOvr>
+    <a:masterClrMapping/>
+  </p:clrMapOvr>
+</p:notes>
+</file>
+
+<file path=ppt/notesSlides/notesSlide7.xml><?xml version="1.0" encoding="utf-8"?>
+<p:notes xmlns:a="http://schemas.openxmlformats.org/drawingml/2006/main" xmlns:r="http://schemas.openxmlformats.org/officeDocument/2006/relationships" xmlns:p="http://schemas.openxmlformats.org/presentationml/2006/main">
+  <p:cSld>
+    <p:spTree>
+      <p:nvGrpSpPr>
+        <p:cNvPr id="1" name=""/>
+        <p:cNvGrpSpPr/>
+        <p:nvPr/>
+      </p:nvGrpSpPr>
+      <p:grpSpPr>
+        <a:xfrm>
+          <a:off x="0" y="0"/>
+          <a:ext cx="0" cy="0"/>
+          <a:chOff x="0" y="0"/>
+          <a:chExt cx="0" cy="0"/>
+        </a:xfrm>
+      </p:grpSpPr>
+      <p:sp>
+        <p:nvSpPr>
+          <p:cNvPr id="2" name="Slide Image Placeholder 1"/>
+          <p:cNvSpPr>
+            <a:spLocks noGrp="1" noRot="1" noChangeAspect="1"/>
+          </p:cNvSpPr>
+          <p:nvPr>
+            <p:ph type="sldImg"/>
+          </p:nvPr>
+        </p:nvSpPr>
+        <p:spPr/>
+      </p:sp>
+      <p:sp>
+        <p:nvSpPr>
+          <p:cNvPr id="3" name="Notes Placeholder 2"/>
+          <p:cNvSpPr>
+            <a:spLocks noGrp="1"/>
+          </p:cNvSpPr>
+          <p:nvPr>
+            <p:ph type="body" idx="1"/>
+          </p:nvPr>
+        </p:nvSpPr>
+        <p:spPr/>
+        <p:txBody>
+          <a:bodyPr/>
+          <a:lstStyle/>
+          <a:p>
+            <a:endParaRPr lang="en-US"/>
+          </a:p>
+        </p:txBody>
+      </p:sp>
+      <p:sp>
+        <p:nvSpPr>
+          <p:cNvPr id="4" name="Header Placeholder 3"/>
+          <p:cNvSpPr>
+            <a:spLocks noGrp="1"/>
+          </p:cNvSpPr>
+          <p:nvPr>
+            <p:ph type="hdr" sz="quarter"/>
+          </p:nvPr>
+        </p:nvSpPr>
+        <p:spPr/>
+        <p:txBody>
+          <a:bodyPr/>
+          <a:lstStyle/>
+          <a:p>
+            <a:endParaRPr lang="en-US" dirty="0"/>
+          </a:p>
+        </p:txBody>
+      </p:sp>
+      <p:sp>
+        <p:nvSpPr>
+          <p:cNvPr id="5" name="Footer Placeholder 4"/>
+          <p:cNvSpPr>
+            <a:spLocks noGrp="1"/>
+          </p:cNvSpPr>
+          <p:nvPr>
+            <p:ph type="ftr" sz="quarter" idx="4"/>
+          </p:nvPr>
+        </p:nvSpPr>
+        <p:spPr/>
+        <p:txBody>
+          <a:bodyPr/>
+          <a:lstStyle/>
+          <a:p>
+            <a:pPr defTabSz="914099" eaLnBrk="0" hangingPunct="0"/>
+            <a:r>
+              <a:rPr lang="en-US" sz="400">
+                <a:gradFill>
+                  <a:gsLst>
+                    <a:gs pos="0">
+                      <a:prstClr val="black"/>
+                    </a:gs>
+                    <a:gs pos="100000">
+                      <a:prstClr val="black"/>
+                    </a:gs>
+                  </a:gsLst>
+                  <a:lin ang="5400000" scaled="0"/>
+                </a:gradFill>
+                <a:latin typeface="Segoe UI" pitchFamily="34" charset="0"/>
+                <a:ea typeface="Segoe UI" pitchFamily="34" charset="0"/>
+                <a:cs typeface="Segoe UI" pitchFamily="34" charset="0"/>
+              </a:rPr>
+              <a:t>© 2012 Microsoft Corporation. All rights reserved. Microsoft, Windows, and other product names are or may be registered trademarks and/or trademarks in the U.S. and/or other countries.</a:t>
+            </a:r>
+          </a:p>
+          <a:p>
+            <a:pPr defTabSz="914099" eaLnBrk="0" hangingPunct="0"/>
+            <a:r>
+              <a:rPr lang="en-US" sz="400">
+                <a:gradFill>
+                  <a:gsLst>
+                    <a:gs pos="0">
+                      <a:prstClr val="black"/>
+                    </a:gs>
+                    <a:gs pos="100000">
+                      <a:prstClr val="black"/>
+                    </a:gs>
+                  </a:gsLst>
+                  <a:lin ang="5400000" scaled="0"/>
+                </a:gradFill>
+                <a:latin typeface="Segoe UI" pitchFamily="34" charset="0"/>
+                <a:ea typeface="Segoe UI" pitchFamily="34" charset="0"/>
+                <a:cs typeface="Segoe UI" pitchFamily="34" charset="0"/>
+              </a:rPr>
+              <a:t>The information herein is for informational purposes only and represents the current view of Microsoft Corporation as of the date of this presentation.  Because Microsoft must respond to changing market conditions, it should not be interpreted to be a commitment on the part of Microsoft, and Microsoft cannot guarantee the accuracy of any information provided after the date of this presentation.  MICROSOFT MAKES NO WARRANTIES, EXPRESS, IMPLIED OR STATUTORY, AS TO THE INFORMATION IN THIS PRESENTATION.</a:t>
+            </a:r>
+            <a:endParaRPr lang="en-US" sz="400" dirty="0">
+              <a:gradFill>
+                <a:gsLst>
+                  <a:gs pos="0">
+                    <a:prstClr val="black"/>
+                  </a:gs>
+                  <a:gs pos="100000">
+                    <a:prstClr val="black"/>
+                  </a:gs>
+                </a:gsLst>
+                <a:lin ang="5400000" scaled="0"/>
+              </a:gradFill>
+              <a:latin typeface="Segoe UI" pitchFamily="34" charset="0"/>
+              <a:ea typeface="Segoe UI" pitchFamily="34" charset="0"/>
+              <a:cs typeface="Segoe UI" pitchFamily="34" charset="0"/>
+            </a:endParaRPr>
+          </a:p>
+        </p:txBody>
+      </p:sp>
+      <p:sp>
+        <p:nvSpPr>
+          <p:cNvPr id="6" name="Date Placeholder 5"/>
+          <p:cNvSpPr>
+            <a:spLocks noGrp="1"/>
+          </p:cNvSpPr>
+          <p:nvPr>
+            <p:ph type="dt" idx="1"/>
+          </p:nvPr>
+        </p:nvSpPr>
+        <p:spPr/>
+        <p:txBody>
+          <a:bodyPr/>
+          <a:lstStyle/>
+          <a:p>
+            <a:fld id="{3431E417-7B3F-7140-A6E3-2413BC0EF3AE}" type="datetime1">
+              <a:rPr lang="en-US" smtClean="0"/>
+              <a:t>6/9/19</a:t>
+            </a:fld>
+            <a:endParaRPr lang="en-US" dirty="0"/>
+          </a:p>
+        </p:txBody>
+      </p:sp>
+      <p:sp>
+        <p:nvSpPr>
+          <p:cNvPr id="7" name="Slide Number Placeholder 6"/>
+          <p:cNvSpPr>
+            <a:spLocks noGrp="1"/>
+          </p:cNvSpPr>
+          <p:nvPr>
+            <p:ph type="sldNum" sz="quarter" idx="5"/>
+          </p:nvPr>
+        </p:nvSpPr>
+        <p:spPr/>
+        <p:txBody>
+          <a:bodyPr/>
+          <a:lstStyle/>
+          <a:p>
+            <a:fld id="{B4008EB6-D09E-4580-8CD6-DDB14511944F}" type="slidenum">
+              <a:rPr lang="en-US" smtClean="0"/>
+              <a:pPr/>
+              <a:t>7</a:t>
+            </a:fld>
+            <a:endParaRPr lang="en-US" dirty="0"/>
+          </a:p>
+        </p:txBody>
+      </p:sp>
+    </p:spTree>
+    <p:extLst>
+      <p:ext uri="{BB962C8B-B14F-4D97-AF65-F5344CB8AC3E}">
+        <p14:creationId xmlns:p14="http://schemas.microsoft.com/office/powerpoint/2010/main" val="3151440368"/>
+      </p:ext>
+    </p:extLst>
+  </p:cSld>
+  <p:clrMapOvr>
+    <a:masterClrMapping/>
+  </p:clrMapOvr>
+</p:notes>
+</file>
+
+<file path=ppt/notesSlides/notesSlide8.xml><?xml version="1.0" encoding="utf-8"?>
+<p:notes xmlns:a="http://schemas.openxmlformats.org/drawingml/2006/main" xmlns:r="http://schemas.openxmlformats.org/officeDocument/2006/relationships" xmlns:p="http://schemas.openxmlformats.org/presentationml/2006/main">
+  <p:cSld>
+    <p:spTree>
+      <p:nvGrpSpPr>
+        <p:cNvPr id="1" name=""/>
+        <p:cNvGrpSpPr/>
+        <p:nvPr/>
+      </p:nvGrpSpPr>
+      <p:grpSpPr>
+        <a:xfrm>
+          <a:off x="0" y="0"/>
+          <a:ext cx="0" cy="0"/>
+          <a:chOff x="0" y="0"/>
+          <a:chExt cx="0" cy="0"/>
+        </a:xfrm>
+      </p:grpSpPr>
+      <p:sp>
+        <p:nvSpPr>
+          <p:cNvPr id="2" name="Slide Image Placeholder 1"/>
+          <p:cNvSpPr>
+            <a:spLocks noGrp="1" noRot="1" noChangeAspect="1"/>
+          </p:cNvSpPr>
+          <p:nvPr>
+            <p:ph type="sldImg"/>
+          </p:nvPr>
+        </p:nvSpPr>
+        <p:spPr/>
+      </p:sp>
+      <p:sp>
+        <p:nvSpPr>
+          <p:cNvPr id="3" name="Notes Placeholder 2"/>
+          <p:cNvSpPr>
+            <a:spLocks noGrp="1"/>
+          </p:cNvSpPr>
+          <p:nvPr>
+            <p:ph type="body" idx="1"/>
+          </p:nvPr>
+        </p:nvSpPr>
+        <p:spPr/>
+        <p:txBody>
+          <a:bodyPr/>
+          <a:lstStyle/>
+          <a:p>
+            <a:endParaRPr lang="en-US"/>
+          </a:p>
+        </p:txBody>
+      </p:sp>
+      <p:sp>
+        <p:nvSpPr>
+          <p:cNvPr id="4" name="Header Placeholder 3"/>
+          <p:cNvSpPr>
+            <a:spLocks noGrp="1"/>
+          </p:cNvSpPr>
+          <p:nvPr>
+            <p:ph type="hdr" sz="quarter"/>
+          </p:nvPr>
+        </p:nvSpPr>
+        <p:spPr/>
+        <p:txBody>
+          <a:bodyPr/>
+          <a:lstStyle/>
+          <a:p>
+            <a:endParaRPr lang="en-US" dirty="0"/>
+          </a:p>
+        </p:txBody>
+      </p:sp>
+      <p:sp>
+        <p:nvSpPr>
+          <p:cNvPr id="5" name="Footer Placeholder 4"/>
+          <p:cNvSpPr>
+            <a:spLocks noGrp="1"/>
+          </p:cNvSpPr>
+          <p:nvPr>
+            <p:ph type="ftr" sz="quarter" idx="4"/>
+          </p:nvPr>
+        </p:nvSpPr>
+        <p:spPr/>
+        <p:txBody>
+          <a:bodyPr/>
+          <a:lstStyle/>
+          <a:p>
+            <a:pPr defTabSz="914099" eaLnBrk="0" hangingPunct="0"/>
+            <a:r>
+              <a:rPr lang="en-US" sz="400">
+                <a:gradFill>
+                  <a:gsLst>
+                    <a:gs pos="0">
+                      <a:prstClr val="black"/>
+                    </a:gs>
+                    <a:gs pos="100000">
+                      <a:prstClr val="black"/>
+                    </a:gs>
+                  </a:gsLst>
+                  <a:lin ang="5400000" scaled="0"/>
+                </a:gradFill>
+                <a:latin typeface="Segoe UI" pitchFamily="34" charset="0"/>
+                <a:ea typeface="Segoe UI" pitchFamily="34" charset="0"/>
+                <a:cs typeface="Segoe UI" pitchFamily="34" charset="0"/>
+              </a:rPr>
+              <a:t>© 2012 Microsoft Corporation. All rights reserved. Microsoft, Windows, and other product names are or may be registered trademarks and/or trademarks in the U.S. and/or other countries.</a:t>
+            </a:r>
+          </a:p>
+          <a:p>
+            <a:pPr defTabSz="914099" eaLnBrk="0" hangingPunct="0"/>
+            <a:r>
+              <a:rPr lang="en-US" sz="400">
+                <a:gradFill>
+                  <a:gsLst>
+                    <a:gs pos="0">
+                      <a:prstClr val="black"/>
+                    </a:gs>
+                    <a:gs pos="100000">
+                      <a:prstClr val="black"/>
+                    </a:gs>
+                  </a:gsLst>
+                  <a:lin ang="5400000" scaled="0"/>
+                </a:gradFill>
+                <a:latin typeface="Segoe UI" pitchFamily="34" charset="0"/>
+                <a:ea typeface="Segoe UI" pitchFamily="34" charset="0"/>
+                <a:cs typeface="Segoe UI" pitchFamily="34" charset="0"/>
+              </a:rPr>
+              <a:t>The information herein is for informational purposes only and represents the current view of Microsoft Corporation as of the date of this presentation.  Because Microsoft must respond to changing market conditions, it should not be interpreted to be a commitment on the part of Microsoft, and Microsoft cannot guarantee the accuracy of any information provided after the date of this presentation.  MICROSOFT MAKES NO WARRANTIES, EXPRESS, IMPLIED OR STATUTORY, AS TO THE INFORMATION IN THIS PRESENTATION.</a:t>
+            </a:r>
+            <a:endParaRPr lang="en-US" sz="400" dirty="0">
+              <a:gradFill>
+                <a:gsLst>
+                  <a:gs pos="0">
+                    <a:prstClr val="black"/>
+                  </a:gs>
+                  <a:gs pos="100000">
+                    <a:prstClr val="black"/>
+                  </a:gs>
+                </a:gsLst>
+                <a:lin ang="5400000" scaled="0"/>
+              </a:gradFill>
+              <a:latin typeface="Segoe UI" pitchFamily="34" charset="0"/>
+              <a:ea typeface="Segoe UI" pitchFamily="34" charset="0"/>
+              <a:cs typeface="Segoe UI" pitchFamily="34" charset="0"/>
+            </a:endParaRPr>
+          </a:p>
+        </p:txBody>
+      </p:sp>
+      <p:sp>
+        <p:nvSpPr>
+          <p:cNvPr id="6" name="Date Placeholder 5"/>
+          <p:cNvSpPr>
+            <a:spLocks noGrp="1"/>
+          </p:cNvSpPr>
+          <p:nvPr>
+            <p:ph type="dt" idx="1"/>
+          </p:nvPr>
+        </p:nvSpPr>
+        <p:spPr/>
+        <p:txBody>
+          <a:bodyPr/>
+          <a:lstStyle/>
+          <a:p>
+            <a:fld id="{C5F982DC-979A-754C-8344-48D9C9F14C14}" type="datetime1">
+              <a:rPr lang="en-US" smtClean="0"/>
+              <a:t>6/9/19</a:t>
+            </a:fld>
+            <a:endParaRPr lang="en-US" dirty="0"/>
+          </a:p>
+        </p:txBody>
+      </p:sp>
+      <p:sp>
+        <p:nvSpPr>
+          <p:cNvPr id="7" name="Slide Number Placeholder 6"/>
+          <p:cNvSpPr>
+            <a:spLocks noGrp="1"/>
+          </p:cNvSpPr>
+          <p:nvPr>
+            <p:ph type="sldNum" sz="quarter" idx="5"/>
+          </p:nvPr>
+        </p:nvSpPr>
+        <p:spPr/>
+        <p:txBody>
+          <a:bodyPr/>
+          <a:lstStyle/>
+          <a:p>
+            <a:fld id="{B4008EB6-D09E-4580-8CD6-DDB14511944F}" type="slidenum">
+              <a:rPr lang="en-US" smtClean="0"/>
+              <a:pPr/>
+              <a:t>10</a:t>
+            </a:fld>
+            <a:endParaRPr lang="en-US" dirty="0"/>
+          </a:p>
+        </p:txBody>
+      </p:sp>
+    </p:spTree>
+    <p:extLst>
+      <p:ext uri="{BB962C8B-B14F-4D97-AF65-F5344CB8AC3E}">
+        <p14:creationId xmlns:p14="http://schemas.microsoft.com/office/powerpoint/2010/main" val="3343857475"/>
       </p:ext>
     </p:extLst>
   </p:cSld>
@@ -22557,9 +23978,10 @@
           <a:bodyPr/>
           <a:lstStyle/>
           <a:p>
-            <a:pPr marL="742950" indent="-742950">
-              <a:buFont typeface="Wingdings" pitchFamily="2" charset="2"/>
-              <a:buChar char="§"/>
+            <a:pPr>
+              <a:buClr>
+                <a:schemeClr val="tx2"/>
+              </a:buClr>
             </a:pPr>
             <a:r>
               <a:rPr lang="en-US" sz="2800" b="1" dirty="0"/>
@@ -22571,7 +23993,10 @@
             </a:r>
           </a:p>
           <a:p>
-            <a:pPr marL="966788" lvl="2" indent="-742950">
+            <a:pPr marL="771525" lvl="1" indent="-742950">
+              <a:buClr>
+                <a:schemeClr val="tx2"/>
+              </a:buClr>
               <a:buFont typeface="Arial" panose="020B0604020202020204" pitchFamily="34" charset="0"/>
               <a:buChar char="•"/>
             </a:pPr>
@@ -22613,9 +24038,10 @@
             </a:endParaRPr>
           </a:p>
           <a:p>
-            <a:pPr marL="742950" indent="-742950">
-              <a:buFont typeface="Wingdings" pitchFamily="2" charset="2"/>
-              <a:buChar char="§"/>
+            <a:pPr>
+              <a:buClr>
+                <a:schemeClr val="tx2"/>
+              </a:buClr>
             </a:pPr>
             <a:r>
               <a:rPr lang="en-US" sz="2800" b="1" dirty="0"/>
@@ -22627,7 +24053,10 @@
             </a:r>
           </a:p>
           <a:p>
-            <a:pPr marL="966788" lvl="2" indent="-742950">
+            <a:pPr marL="771525" lvl="1" indent="-742950">
+              <a:buClr>
+                <a:schemeClr val="tx2"/>
+              </a:buClr>
               <a:buFont typeface="Arial" panose="020B0604020202020204" pitchFamily="34" charset="0"/>
               <a:buChar char="•"/>
             </a:pPr>
@@ -22653,9 +24082,10 @@
             </a:endParaRPr>
           </a:p>
           <a:p>
-            <a:pPr marL="742950" indent="-742950">
-              <a:buFont typeface="Wingdings" pitchFamily="2" charset="2"/>
-              <a:buChar char="§"/>
+            <a:pPr>
+              <a:buClr>
+                <a:schemeClr val="tx2"/>
+              </a:buClr>
             </a:pPr>
             <a:r>
               <a:rPr lang="en-US" sz="2800" b="1" dirty="0">
@@ -22679,9 +24109,10 @@
             <a:endParaRPr lang="en-US" sz="2800" dirty="0"/>
           </a:p>
           <a:p>
-            <a:pPr marL="742950" indent="-742950">
-              <a:buFont typeface="Wingdings" pitchFamily="2" charset="2"/>
-              <a:buChar char="§"/>
+            <a:pPr>
+              <a:buClr>
+                <a:schemeClr val="tx2"/>
+              </a:buClr>
             </a:pPr>
             <a:r>
               <a:rPr lang="en-US" sz="2800" b="1" dirty="0"/>
@@ -22871,6 +24302,11 @@
           <a:bodyPr/>
           <a:lstStyle/>
           <a:p>
+            <a:pPr>
+              <a:buClr>
+                <a:schemeClr val="tx2"/>
+              </a:buClr>
+            </a:pPr>
             <a:r>
               <a:rPr lang="en-US" sz="2800" b="1" dirty="0">
                 <a:solidFill>
@@ -22882,6 +24318,9 @@
           </a:p>
           <a:p>
             <a:pPr marL="795338" lvl="2" indent="-571500">
+              <a:buClr>
+                <a:schemeClr val="tx2"/>
+              </a:buClr>
               <a:buFont typeface="Arial" panose="020B0604020202020204" pitchFamily="34" charset="0"/>
               <a:buChar char="•"/>
             </a:pPr>
@@ -22896,7 +24335,11 @@
             </a:r>
           </a:p>
           <a:p>
-            <a:pPr lvl="2"/>
+            <a:pPr lvl="2">
+              <a:buClr>
+                <a:schemeClr val="tx2"/>
+              </a:buClr>
+            </a:pPr>
             <a:endParaRPr lang="en-US" dirty="0">
               <a:solidFill>
                 <a:schemeClr val="accent1"/>
@@ -22907,7 +24350,7 @@
           <a:p>
             <a:pPr lvl="0">
               <a:buClr>
-                <a:srgbClr val="505050"/>
+                <a:schemeClr val="tx2"/>
               </a:buClr>
             </a:pPr>
             <a:r>
@@ -22922,7 +24365,7 @@
           <a:p>
             <a:pPr marL="795338" lvl="2" indent="-571500">
               <a:buClr>
-                <a:srgbClr val="505050"/>
+                <a:schemeClr val="tx2"/>
               </a:buClr>
               <a:buFont typeface="Arial" panose="020B0604020202020204" pitchFamily="34" charset="0"/>
               <a:buChar char="•"/>
@@ -22940,7 +24383,7 @@
           <a:p>
             <a:pPr marL="795338" lvl="2" indent="-571500">
               <a:buClr>
-                <a:srgbClr val="505050"/>
+                <a:schemeClr val="tx2"/>
               </a:buClr>
               <a:buFont typeface="Arial" panose="020B0604020202020204" pitchFamily="34" charset="0"/>
               <a:buChar char="•"/>
@@ -22958,7 +24401,7 @@
           <a:p>
             <a:pPr marL="795338" lvl="2" indent="-571500">
               <a:buClr>
-                <a:srgbClr val="505050"/>
+                <a:schemeClr val="tx2"/>
               </a:buClr>
               <a:buFont typeface="Arial" panose="020B0604020202020204" pitchFamily="34" charset="0"/>
               <a:buChar char="•"/>
@@ -22974,7 +24417,11 @@
             </a:r>
           </a:p>
           <a:p>
-            <a:pPr lvl="2"/>
+            <a:pPr lvl="2">
+              <a:buClr>
+                <a:schemeClr val="tx2"/>
+              </a:buClr>
+            </a:pPr>
             <a:endParaRPr lang="en-US" dirty="0">
               <a:solidFill>
                 <a:schemeClr val="accent1"/>
@@ -22985,7 +24432,7 @@
           <a:p>
             <a:pPr lvl="0">
               <a:buClr>
-                <a:srgbClr val="505050"/>
+                <a:schemeClr val="tx2"/>
               </a:buClr>
             </a:pPr>
             <a:r>
@@ -23000,7 +24447,7 @@
           <a:p>
             <a:pPr marL="795338" lvl="2" indent="-571500">
               <a:buClr>
-                <a:srgbClr val="505050"/>
+                <a:schemeClr val="tx2"/>
               </a:buClr>
               <a:buFont typeface="Arial" panose="020B0604020202020204" pitchFamily="34" charset="0"/>
               <a:buChar char="•"/>
@@ -23018,7 +24465,7 @@
           <a:p>
             <a:pPr marL="795338" lvl="2" indent="-571500">
               <a:buClr>
-                <a:srgbClr val="505050"/>
+                <a:schemeClr val="tx2"/>
               </a:buClr>
               <a:buFont typeface="Arial" panose="020B0604020202020204" pitchFamily="34" charset="0"/>
               <a:buChar char="•"/>
@@ -23980,127 +25427,150 @@
         <p:spPr>
           <a:xfrm>
             <a:off x="274639" y="1212849"/>
-            <a:ext cx="11889564" cy="5509200"/>
+            <a:ext cx="11889564" cy="5416868"/>
           </a:xfrm>
         </p:spPr>
         <p:txBody>
           <a:bodyPr/>
           <a:lstStyle/>
           <a:p>
-            <a:r>
-              <a:rPr lang="en-US" sz="2800" b="1" dirty="0" err="1"/>
-              <a:t>LIMEaid</a:t>
-            </a:r>
+            <a:pPr>
+              <a:buClr>
+                <a:schemeClr val="tx2"/>
+              </a:buClr>
+            </a:pPr>
             <a:r>
               <a:rPr lang="en-US" sz="2800" b="1" dirty="0"/>
-              <a:t> explanations</a:t>
-            </a:r>
-          </a:p>
-          <a:p>
-            <a:endParaRPr lang="en-US" sz="2000" dirty="0"/>
-          </a:p>
-          <a:p>
-            <a:r>
-              <a:rPr lang="en-US" sz="2400" b="1" dirty="0"/>
               <a:t>Input</a:t>
             </a:r>
           </a:p>
           <a:p>
             <a:pPr marL="342900" indent="-342900">
+              <a:buClr>
+                <a:schemeClr val="tx2"/>
+              </a:buClr>
               <a:buFont typeface="Arial" panose="020B0604020202020204" pitchFamily="34" charset="0"/>
               <a:buChar char="•"/>
             </a:pPr>
             <a:r>
-              <a:rPr lang="en-US" sz="2400" dirty="0"/>
+              <a:rPr lang="en-US" sz="2800" dirty="0"/>
               <a:t>A “complex” ML model, fit by </a:t>
             </a:r>
             <a:r>
-              <a:rPr lang="en-US" sz="2400" dirty="0" err="1"/>
+              <a:rPr lang="en-US" sz="2800" dirty="0" err="1"/>
               <a:t>sklearn</a:t>
             </a:r>
             <a:r>
-              <a:rPr lang="en-US" sz="2400" dirty="0"/>
+              <a:rPr lang="en-US" sz="2800" dirty="0"/>
               <a:t> classifier object with .predict</a:t>
             </a:r>
           </a:p>
           <a:p>
             <a:pPr marL="342900" indent="-342900">
+              <a:buClr>
+                <a:schemeClr val="tx2"/>
+              </a:buClr>
               <a:buFont typeface="Arial" panose="020B0604020202020204" pitchFamily="34" charset="0"/>
               <a:buChar char="•"/>
             </a:pPr>
             <a:r>
-              <a:rPr lang="en-US" sz="2400" dirty="0"/>
+              <a:rPr lang="en-US" sz="2800" dirty="0"/>
               <a:t>An instance of data (</a:t>
             </a:r>
             <a:r>
-              <a:rPr lang="en-US" sz="2400" i="1" dirty="0"/>
+              <a:rPr lang="en-US" sz="2800" i="1" dirty="0"/>
               <a:t>x</a:t>
             </a:r>
             <a:r>
-              <a:rPr lang="en-US" sz="2400" dirty="0"/>
+              <a:rPr lang="en-US" sz="2800" dirty="0"/>
               <a:t>) and its model output (</a:t>
             </a:r>
             <a:r>
-              <a:rPr lang="en-US" sz="2400" i="1" dirty="0"/>
+              <a:rPr lang="en-US" sz="2800" i="1" dirty="0"/>
               <a:t>f(x)</a:t>
             </a:r>
             <a:r>
-              <a:rPr lang="en-US" sz="2400" dirty="0"/>
+              <a:rPr lang="en-US" sz="2800" dirty="0"/>
               <a:t>)</a:t>
             </a:r>
           </a:p>
           <a:p>
             <a:pPr marL="342900" indent="-342900">
+              <a:buClr>
+                <a:schemeClr val="tx2"/>
+              </a:buClr>
               <a:buFont typeface="Arial" panose="020B0604020202020204" pitchFamily="34" charset="0"/>
               <a:buChar char="•"/>
             </a:pPr>
             <a:r>
-              <a:rPr lang="en-US" sz="2400" dirty="0"/>
+              <a:rPr lang="en-US" sz="2800" dirty="0"/>
               <a:t>Probability domain for normalized predictor variables (histograms)</a:t>
             </a:r>
           </a:p>
           <a:p>
+            <a:pPr>
+              <a:buClr>
+                <a:schemeClr val="tx2"/>
+              </a:buClr>
+            </a:pPr>
             <a:br>
-              <a:rPr lang="en-US" sz="2400" dirty="0"/>
+              <a:rPr lang="en-US" sz="2800" b="1" dirty="0"/>
             </a:br>
             <a:r>
-              <a:rPr lang="en-US" sz="2400" b="1" dirty="0"/>
+              <a:rPr lang="en-US" sz="2800" b="1" dirty="0"/>
               <a:t>Output</a:t>
             </a:r>
           </a:p>
           <a:p>
             <a:pPr marL="342900" indent="-342900">
+              <a:buClr>
+                <a:schemeClr val="tx2"/>
+              </a:buClr>
               <a:buFont typeface="Arial" panose="020B0604020202020204" pitchFamily="34" charset="0"/>
               <a:buChar char="•"/>
             </a:pPr>
             <a:r>
-              <a:rPr lang="en-US" sz="2400" dirty="0"/>
+              <a:rPr lang="en-US" sz="2800" dirty="0"/>
               <a:t>Sparse linear models (few features), plottable</a:t>
             </a:r>
-            <a:br>
-              <a:rPr lang="en-US" sz="2400" dirty="0"/>
-            </a:br>
-            <a:r>
-              <a:rPr lang="en-US" sz="2400" dirty="0"/>
-              <a:t>List significant features</a:t>
-            </a:r>
-          </a:p>
-          <a:p>
-            <a:endParaRPr lang="en-US" sz="2400" dirty="0"/>
-          </a:p>
-          <a:p>
-            <a:r>
-              <a:rPr lang="en-US" sz="2400" b="1" dirty="0"/>
-              <a:t>Analysis/verification</a:t>
-            </a:r>
           </a:p>
           <a:p>
             <a:pPr marL="342900" indent="-342900">
+              <a:buClr>
+                <a:schemeClr val="tx2"/>
+              </a:buClr>
               <a:buFont typeface="Arial" panose="020B0604020202020204" pitchFamily="34" charset="0"/>
               <a:buChar char="•"/>
             </a:pPr>
             <a:r>
-              <a:rPr lang="en-US" sz="2400" dirty="0"/>
+              <a:rPr lang="en-US" sz="2800" dirty="0"/>
+              <a:t>List significant features</a:t>
+            </a:r>
+          </a:p>
+          <a:p>
+            <a:pPr>
+              <a:buClr>
+                <a:schemeClr val="tx2"/>
+              </a:buClr>
+            </a:pPr>
+            <a:br>
+              <a:rPr lang="en-US" sz="2800" b="1" dirty="0"/>
+            </a:br>
+            <a:r>
+              <a:rPr lang="en-US" sz="2800" b="1" dirty="0"/>
+              <a:t>Analysis/verification</a:t>
+            </a:r>
+          </a:p>
+          <a:p>
+            <a:pPr marL="342900" indent="-342900">
+              <a:buClr>
+                <a:schemeClr val="tx2"/>
+              </a:buClr>
+              <a:buFont typeface="Arial" panose="020B0604020202020204" pitchFamily="34" charset="0"/>
+              <a:buChar char="•"/>
+            </a:pPr>
+            <a:r>
+              <a:rPr lang="en-US" sz="2800" dirty="0"/>
               <a:t>Comparison to decision trees</a:t>
             </a:r>
             <a:br>
@@ -24199,7 +25669,7 @@
         <p:spPr>
           <a:xfrm>
             <a:off x="274639" y="1212849"/>
-            <a:ext cx="11889564" cy="6001643"/>
+            <a:ext cx="11889564" cy="6241709"/>
           </a:xfrm>
         </p:spPr>
         <p:txBody>
@@ -24220,6 +25690,9 @@
           </a:p>
           <a:p>
             <a:pPr marL="457200" indent="-457200">
+              <a:buClr>
+                <a:schemeClr val="tx2"/>
+              </a:buClr>
               <a:buFont typeface="+mj-lt"/>
               <a:buAutoNum type="arabicPeriod"/>
             </a:pPr>
@@ -24227,92 +25700,179 @@
               <a:rPr lang="en-US" sz="2800" b="1" dirty="0"/>
               <a:t>Model verification scenario</a:t>
             </a:r>
+          </a:p>
+          <a:p>
+            <a:pPr marL="681038" lvl="2" indent="-457200">
+              <a:buClr>
+                <a:schemeClr val="tx2"/>
+              </a:buClr>
+              <a:buFont typeface="Arial" panose="020B0604020202020204" pitchFamily="34" charset="0"/>
+              <a:buChar char="•"/>
+            </a:pPr>
+            <a:r>
+              <a:rPr lang="en-US" sz="2800" dirty="0">
+                <a:solidFill>
+                  <a:schemeClr val="tx2"/>
+                </a:solidFill>
+              </a:rPr>
+              <a:t>User wants to preempt poor model performance “in the field”</a:t>
+            </a:r>
+          </a:p>
+          <a:p>
+            <a:pPr marL="681038" lvl="2" indent="-457200">
+              <a:buClr>
+                <a:schemeClr val="tx2"/>
+              </a:buClr>
+              <a:buFont typeface="Arial" panose="020B0604020202020204" pitchFamily="34" charset="0"/>
+              <a:buChar char="•"/>
+            </a:pPr>
+            <a:r>
+              <a:rPr lang="en-US" sz="2800" dirty="0">
+                <a:solidFill>
+                  <a:schemeClr val="tx2"/>
+                </a:solidFill>
+              </a:rPr>
+              <a:t>Use </a:t>
+            </a:r>
+            <a:r>
+              <a:rPr lang="en-US" sz="2800" dirty="0" err="1">
+                <a:solidFill>
+                  <a:schemeClr val="tx2"/>
+                </a:solidFill>
+              </a:rPr>
+              <a:t>LIMEaid</a:t>
+            </a:r>
+            <a:r>
+              <a:rPr lang="en-US" sz="2800" dirty="0">
+                <a:solidFill>
+                  <a:schemeClr val="tx2"/>
+                </a:solidFill>
+              </a:rPr>
+              <a:t> to sample test dataset</a:t>
+            </a:r>
+          </a:p>
+          <a:p>
+            <a:pPr marL="681038" lvl="2" indent="-457200">
+              <a:buClr>
+                <a:schemeClr val="tx2"/>
+              </a:buClr>
+              <a:buFont typeface="Arial" panose="020B0604020202020204" pitchFamily="34" charset="0"/>
+              <a:buChar char="•"/>
+            </a:pPr>
+            <a:r>
+              <a:rPr lang="en-US" sz="2800" dirty="0">
+                <a:solidFill>
+                  <a:schemeClr val="tx2"/>
+                </a:solidFill>
+              </a:rPr>
+              <a:t>Show most significant features for decision</a:t>
+            </a:r>
+          </a:p>
+          <a:p>
+            <a:pPr marL="681038" lvl="2" indent="-457200">
+              <a:buClr>
+                <a:schemeClr val="tx2"/>
+              </a:buClr>
+              <a:buFont typeface="Arial" panose="020B0604020202020204" pitchFamily="34" charset="0"/>
+              <a:buChar char="•"/>
+            </a:pPr>
+            <a:r>
+              <a:rPr lang="en-US" sz="2800" dirty="0">
+                <a:solidFill>
+                  <a:schemeClr val="tx2"/>
+                </a:solidFill>
+              </a:rPr>
+              <a:t>Tune or replace model if spurious correlation or other issues</a:t>
+            </a:r>
             <a:br>
-              <a:rPr lang="en-US" sz="2800" dirty="0"/>
+              <a:rPr lang="en-US" sz="2800" dirty="0">
+                <a:solidFill>
+                  <a:schemeClr val="tx2"/>
+                </a:solidFill>
+              </a:rPr>
             </a:br>
-            <a:r>
-              <a:rPr lang="en-US" sz="2800" dirty="0"/>
-              <a:t>- User wants to preempt poor model performance “in the field”</a:t>
-            </a:r>
-            <a:br>
-              <a:rPr lang="en-US" sz="2800" dirty="0"/>
-            </a:br>
-            <a:r>
-              <a:rPr lang="en-US" sz="2800" dirty="0"/>
-              <a:t>- Use </a:t>
-            </a:r>
-            <a:r>
-              <a:rPr lang="en-US" sz="2800" dirty="0" err="1"/>
-              <a:t>LIMEaid</a:t>
-            </a:r>
-            <a:r>
-              <a:rPr lang="en-US" sz="2800" dirty="0"/>
-              <a:t> to sample test dataset</a:t>
-            </a:r>
-            <a:br>
-              <a:rPr lang="en-US" sz="2800" dirty="0"/>
-            </a:br>
-            <a:r>
-              <a:rPr lang="en-US" sz="2800" dirty="0"/>
-              <a:t>- Show most significant features for decision</a:t>
-            </a:r>
-            <a:br>
-              <a:rPr lang="en-US" sz="2800" dirty="0"/>
-            </a:br>
-            <a:r>
-              <a:rPr lang="en-US" sz="2800" dirty="0"/>
-              <a:t>- Tune or replace model if spurious correlation or other issues</a:t>
-            </a:r>
+            <a:endParaRPr lang="en-US" sz="2800" dirty="0"/>
           </a:p>
           <a:p>
             <a:pPr marL="457200" indent="-457200">
+              <a:buClr>
+                <a:schemeClr val="tx2"/>
+              </a:buClr>
               <a:buFont typeface="+mj-lt"/>
               <a:buAutoNum type="arabicPeriod"/>
             </a:pPr>
-            <a:endParaRPr lang="en-US" sz="2800" dirty="0"/>
-          </a:p>
-          <a:p>
-            <a:pPr marL="457200" indent="-457200">
-              <a:buFont typeface="+mj-lt"/>
-              <a:buAutoNum type="arabicPeriod"/>
-            </a:pPr>
             <a:r>
               <a:rPr lang="en-US" sz="2800" b="1" dirty="0"/>
               <a:t>Decision explanation scenario</a:t>
             </a:r>
-            <a:br>
-              <a:rPr lang="en-US" sz="2800" dirty="0"/>
-            </a:br>
-            <a:r>
-              <a:rPr lang="en-US" sz="2800" dirty="0"/>
-              <a:t>- Classification has already been made by a model</a:t>
-            </a:r>
-            <a:br>
-              <a:rPr lang="en-US" sz="2800" dirty="0"/>
-            </a:br>
-            <a:r>
-              <a:rPr lang="en-US" sz="2800" dirty="0"/>
-              <a:t>- Use </a:t>
-            </a:r>
-            <a:r>
-              <a:rPr lang="en-US" sz="2800" dirty="0" err="1"/>
+            <a:endParaRPr lang="en-US" sz="2800" dirty="0"/>
+          </a:p>
+          <a:p>
+            <a:pPr marL="681038" lvl="2" indent="-457200">
+              <a:buClr>
+                <a:schemeClr val="tx2"/>
+              </a:buClr>
+              <a:buFont typeface="Arial" panose="020B0604020202020204" pitchFamily="34" charset="0"/>
+              <a:buChar char="•"/>
+            </a:pPr>
+            <a:r>
+              <a:rPr lang="en-US" sz="2800" dirty="0">
+                <a:solidFill>
+                  <a:schemeClr val="tx2"/>
+                </a:solidFill>
+              </a:rPr>
+              <a:t>Classification has already been made by a model</a:t>
+            </a:r>
+          </a:p>
+          <a:p>
+            <a:pPr marL="681038" lvl="2" indent="-457200">
+              <a:buClr>
+                <a:schemeClr val="tx2"/>
+              </a:buClr>
+              <a:buFont typeface="Arial" panose="020B0604020202020204" pitchFamily="34" charset="0"/>
+              <a:buChar char="•"/>
+            </a:pPr>
+            <a:r>
+              <a:rPr lang="en-US" sz="2800" dirty="0">
+                <a:solidFill>
+                  <a:schemeClr val="tx2"/>
+                </a:solidFill>
+              </a:rPr>
+              <a:t>Use </a:t>
+            </a:r>
+            <a:r>
+              <a:rPr lang="en-US" sz="2800" dirty="0" err="1">
+                <a:solidFill>
+                  <a:schemeClr val="tx2"/>
+                </a:solidFill>
+              </a:rPr>
               <a:t>LIMEaid</a:t>
             </a:r>
             <a:r>
-              <a:rPr lang="en-US" sz="2800" dirty="0"/>
+              <a:rPr lang="en-US" sz="2800" dirty="0">
+                <a:solidFill>
+                  <a:schemeClr val="tx2"/>
+                </a:solidFill>
+              </a:rPr>
               <a:t> to sample whole dataset</a:t>
             </a:r>
-            <a:br>
-              <a:rPr lang="en-US" sz="2800" dirty="0"/>
-            </a:br>
-            <a:r>
-              <a:rPr lang="en-US" sz="2800" dirty="0"/>
-              <a:t>- Produce easy-to-share “two-dimensional” plot of a linear correlation</a:t>
-            </a:r>
-            <a:br>
-              <a:rPr lang="en-US" sz="2000" dirty="0"/>
-            </a:br>
-            <a:endParaRPr lang="en-US" sz="2000" dirty="0"/>
+          </a:p>
+          <a:p>
+            <a:pPr marL="681038" lvl="2" indent="-457200">
+              <a:buClr>
+                <a:schemeClr val="tx2"/>
+              </a:buClr>
+              <a:buFont typeface="Arial" panose="020B0604020202020204" pitchFamily="34" charset="0"/>
+              <a:buChar char="•"/>
+            </a:pPr>
+            <a:r>
+              <a:rPr lang="en-US" sz="2800" dirty="0">
+                <a:solidFill>
+                  <a:schemeClr val="tx2"/>
+                </a:solidFill>
+              </a:rPr>
+              <a:t>Produce easy-to-explain “two-dimensional” plot of linear regression</a:t>
+            </a:r>
           </a:p>
           <a:p>
             <a:endParaRPr lang="en-US" dirty="0"/>
@@ -24421,10 +25981,10 @@
       </p:sp>
       <p:pic>
         <p:nvPicPr>
-          <p:cNvPr id="6" name="Picture 5" descr="A picture containing screenshot&#10;&#10;Description automatically generated">
+          <p:cNvPr id="5" name="Picture 4" descr="A screenshot of a cell phone&#10;&#10;Description automatically generated">
             <a:extLst>
               <a:ext uri="{FF2B5EF4-FFF2-40B4-BE49-F238E27FC236}">
-                <a16:creationId xmlns:a16="http://schemas.microsoft.com/office/drawing/2014/main" id="{AD3EF465-9776-F74E-8610-CB8CCE6E14D7}"/>
+                <a16:creationId xmlns:a16="http://schemas.microsoft.com/office/drawing/2014/main" id="{CB707451-7074-F14F-AE28-3B0D2A2FFBC7}"/>
               </a:ext>
             </a:extLst>
           </p:cNvPr>
@@ -24434,15 +25994,15 @@
           <p:nvPr/>
         </p:nvPicPr>
         <p:blipFill>
-          <a:blip r:embed="rId2"/>
+          <a:blip r:embed="rId3"/>
           <a:stretch>
             <a:fillRect/>
           </a:stretch>
         </p:blipFill>
         <p:spPr>
           <a:xfrm>
-            <a:off x="567870" y="1730936"/>
-            <a:ext cx="11628438" cy="4515071"/>
+            <a:off x="0" y="1516062"/>
+            <a:ext cx="12436475" cy="4761754"/>
           </a:xfrm>
           <a:prstGeom prst="rect">
             <a:avLst/>
@@ -24545,6 +26105,11 @@
           <a:bodyPr/>
           <a:lstStyle/>
           <a:p>
+            <a:pPr>
+              <a:buClr>
+                <a:schemeClr val="tx2"/>
+              </a:buClr>
+            </a:pPr>
             <a:r>
               <a:rPr lang="en-US" sz="2800" b="1" dirty="0"/>
               <a:t>Sources</a:t>
@@ -24552,6 +26117,9 @@
           </a:p>
           <a:p>
             <a:pPr marL="342900" indent="-342900">
+              <a:buClr>
+                <a:schemeClr val="tx2"/>
+              </a:buClr>
               <a:buFont typeface="Arial" panose="020B0604020202020204" pitchFamily="34" charset="0"/>
               <a:buChar char="•"/>
             </a:pPr>
@@ -24570,6 +26138,9 @@
           </a:p>
           <a:p>
             <a:pPr marL="342900" indent="-342900">
+              <a:buClr>
+                <a:schemeClr val="tx2"/>
+              </a:buClr>
               <a:buFont typeface="Arial" panose="020B0604020202020204" pitchFamily="34" charset="0"/>
               <a:buChar char="•"/>
             </a:pPr>
@@ -24579,7 +26150,7 @@
             </a:r>
             <a:r>
               <a:rPr lang="en-US" sz="2800" dirty="0">
-                <a:hlinkClick r:id="rId2"/>
+                <a:hlinkClick r:id="rId3"/>
               </a:rPr>
               <a:t>Kaggle.com</a:t>
             </a:r>
@@ -24589,7 +26160,7 @@
             </a:r>
             <a:r>
               <a:rPr lang="en-US" sz="2800" i="1" dirty="0">
-                <a:hlinkClick r:id="rId3"/>
+                <a:hlinkClick r:id="rId4"/>
               </a:rPr>
               <a:t>Wall Street Journal</a:t>
             </a:r>
@@ -24607,7 +26178,7 @@
             </a:r>
             <a:r>
               <a:rPr lang="en-US" sz="2800" dirty="0">
-                <a:hlinkClick r:id="rId4"/>
+                <a:hlinkClick r:id="rId5"/>
               </a:rPr>
               <a:t>College Salary Report Methodology</a:t>
             </a:r>
@@ -24624,6 +26195,11 @@
             </a:r>
           </a:p>
           <a:p>
+            <a:pPr>
+              <a:buClr>
+                <a:schemeClr val="tx2"/>
+              </a:buClr>
+            </a:pPr>
             <a:r>
               <a:rPr lang="en-US" sz="2800" b="1" dirty="0"/>
               <a:t>Merge</a:t>
@@ -24631,6 +26207,9 @@
           </a:p>
           <a:p>
             <a:pPr marL="457200" indent="-457200">
+              <a:buClr>
+                <a:schemeClr val="tx2"/>
+              </a:buClr>
               <a:buFont typeface="Arial" panose="020B0604020202020204" pitchFamily="34" charset="0"/>
               <a:buChar char="•"/>
             </a:pPr>
@@ -24641,6 +26220,9 @@
           </a:p>
           <a:p>
             <a:pPr marL="457200" indent="-457200">
+              <a:buClr>
+                <a:schemeClr val="tx2"/>
+              </a:buClr>
               <a:buFont typeface="Arial" panose="020B0604020202020204" pitchFamily="34" charset="0"/>
               <a:buChar char="•"/>
             </a:pPr>
@@ -24650,6 +26232,11 @@
             </a:r>
           </a:p>
           <a:p>
+            <a:pPr>
+              <a:buClr>
+                <a:schemeClr val="tx2"/>
+              </a:buClr>
+            </a:pPr>
             <a:r>
               <a:rPr lang="en-US" sz="2800" b="1" dirty="0"/>
               <a:t>More</a:t>
@@ -24657,6 +26244,9 @@
           </a:p>
           <a:p>
             <a:pPr marL="457200" indent="-457200">
+              <a:buClr>
+                <a:schemeClr val="tx2"/>
+              </a:buClr>
               <a:buFont typeface="Arial" panose="020B0604020202020204" pitchFamily="34" charset="0"/>
               <a:buChar char="•"/>
             </a:pPr>
@@ -24759,8 +26349,8 @@
         </p:nvSpPr>
         <p:spPr>
           <a:xfrm>
-            <a:off x="274639" y="1212849"/>
-            <a:ext cx="11889564" cy="6087820"/>
+            <a:off x="274639" y="1516062"/>
+            <a:ext cx="11889564" cy="5816977"/>
           </a:xfrm>
         </p:spPr>
         <p:txBody>
@@ -24768,12 +26358,16 @@
           <a:lstStyle/>
           <a:p>
             <a:r>
-              <a:rPr lang="en-US" sz="2800" dirty="0" err="1"/>
+              <a:rPr lang="en-US" sz="2800" b="1" dirty="0" err="1"/>
               <a:t>Scikit</a:t>
             </a:r>
             <a:r>
+              <a:rPr lang="en-US" sz="2800" b="1" dirty="0"/>
+              <a:t>-learn classifiers </a:t>
+            </a:r>
+            <a:r>
               <a:rPr lang="en-US" sz="2800" dirty="0"/>
-              <a:t>-learn classifiers that predict probabilities (</a:t>
+              <a:t>that predict probabilities (</a:t>
             </a:r>
             <a:r>
               <a:rPr lang="en-US" sz="2800" dirty="0" err="1"/>
@@ -24785,18 +26379,63 @@
             </a:r>
           </a:p>
           <a:p>
+            <a:br>
+              <a:rPr lang="en-US" sz="2000" dirty="0"/>
+            </a:br>
+            <a:r>
+              <a:rPr lang="en-US" sz="2800" b="1" dirty="0"/>
+              <a:t>Multiclass logistic regression </a:t>
+            </a:r>
+            <a:r>
+              <a:rPr lang="en-US" sz="2800" dirty="0"/>
+              <a:t>(</a:t>
+            </a:r>
+            <a:r>
+              <a:rPr lang="en-US" sz="2800" dirty="0" err="1">
+                <a:hlinkClick r:id="rId3"/>
+              </a:rPr>
+              <a:t>sklearn.linear_model.LogisticRegression</a:t>
+            </a:r>
+            <a:r>
+              <a:rPr lang="en-US" sz="2800" dirty="0"/>
+              <a:t>)</a:t>
+            </a:r>
+          </a:p>
+          <a:p>
+            <a:pPr marL="457200" indent="-457200">
+              <a:buClr>
+                <a:schemeClr val="tx2"/>
+              </a:buClr>
+              <a:buFont typeface="Arial" panose="020B0604020202020204" pitchFamily="34" charset="0"/>
+              <a:buChar char="•"/>
+            </a:pPr>
+            <a:r>
+              <a:rPr lang="en-US" sz="2800" dirty="0"/>
+              <a:t>85% accuracy on College data </a:t>
+            </a:r>
+          </a:p>
+          <a:p>
+            <a:pPr>
+              <a:buClr>
+                <a:schemeClr val="tx2"/>
+              </a:buClr>
+            </a:pPr>
             <a:br>
               <a:rPr lang="en-US" sz="2800" dirty="0"/>
             </a:br>
             <a:r>
+              <a:rPr lang="en-US" sz="2800" b="1" dirty="0"/>
+              <a:t>Random Forest </a:t>
+            </a:r>
+            <a:r>
               <a:rPr lang="en-US" sz="2800" dirty="0"/>
-              <a:t>Multiclass logistic regression (</a:t>
+              <a:t>(</a:t>
             </a:r>
             <a:r>
               <a:rPr lang="en-US" sz="2800" dirty="0" err="1">
-                <a:hlinkClick r:id="rId2"/>
+                <a:hlinkClick r:id="rId4"/>
               </a:rPr>
-              <a:t>sklearn.linear_model.LogisticRegression</a:t>
+              <a:t>sklearn.ensemble.randomforestclassifier</a:t>
             </a:r>
             <a:r>
               <a:rPr lang="en-US" sz="2800" dirty="0"/>
@@ -24805,27 +26444,44 @@
           </a:p>
           <a:p>
             <a:pPr marL="457200" indent="-457200">
+              <a:buClr>
+                <a:schemeClr val="tx2"/>
+              </a:buClr>
               <a:buFont typeface="Arial" panose="020B0604020202020204" pitchFamily="34" charset="0"/>
               <a:buChar char="•"/>
             </a:pPr>
             <a:r>
               <a:rPr lang="en-US" sz="2800" dirty="0"/>
-              <a:t>85% accuracy on College data </a:t>
-            </a:r>
-          </a:p>
-          <a:p>
-            <a:br>
+              <a:t>65% accuracy on College data</a:t>
+            </a:r>
+          </a:p>
+          <a:p>
+            <a:pPr>
+              <a:buClr>
+                <a:schemeClr val="tx2"/>
+              </a:buClr>
+            </a:pPr>
+            <a:endParaRPr lang="en-US" sz="2000" dirty="0"/>
+          </a:p>
+          <a:p>
+            <a:pPr>
+              <a:buClr>
+                <a:schemeClr val="tx2"/>
+              </a:buClr>
+            </a:pPr>
+            <a:r>
+              <a:rPr lang="en-US" sz="2800" b="1" dirty="0"/>
+              <a:t>Decision tree </a:t>
+            </a:r>
+            <a:r>
               <a:rPr lang="en-US" sz="2800" dirty="0"/>
-            </a:br>
-            <a:r>
-              <a:rPr lang="en-US" sz="2800" dirty="0"/>
-              <a:t>Random Forest (</a:t>
-            </a:r>
-            <a:r>
-              <a:rPr lang="en-US" sz="2800" dirty="0" err="1">
-                <a:hlinkClick r:id="rId3"/>
+              <a:t>(</a:t>
+            </a:r>
+            <a:r>
+              <a:rPr lang="en-US" sz="2800" dirty="0">
+                <a:hlinkClick r:id="rId5"/>
               </a:rPr>
-              <a:t>sklearn.ensemble.randomforestclassifier</a:t>
+              <a:t>sklearn.tree</a:t>
             </a:r>
             <a:r>
               <a:rPr lang="en-US" sz="2800" dirty="0"/>
@@ -24834,6 +26490,9 @@
           </a:p>
           <a:p>
             <a:pPr marL="457200" indent="-457200">
+              <a:buClr>
+                <a:schemeClr val="tx2"/>
+              </a:buClr>
               <a:buFont typeface="Arial" panose="020B0604020202020204" pitchFamily="34" charset="0"/>
               <a:buChar char="•"/>
             </a:pPr>
@@ -24843,36 +26502,7 @@
             </a:r>
           </a:p>
           <a:p>
-            <a:endParaRPr lang="en-US" sz="2800" dirty="0"/>
-          </a:p>
-          <a:p>
-            <a:r>
-              <a:rPr lang="en-US" sz="2800" dirty="0"/>
-              <a:t>Decision tree (</a:t>
-            </a:r>
-            <a:r>
-              <a:rPr lang="en-US" sz="2800" dirty="0">
-                <a:hlinkClick r:id="rId4"/>
-              </a:rPr>
-              <a:t>sklearn.tree</a:t>
-            </a:r>
-            <a:r>
-              <a:rPr lang="en-US" sz="2800" dirty="0"/>
-              <a:t>)</a:t>
-            </a:r>
-          </a:p>
-          <a:p>
-            <a:pPr marL="457200" indent="-457200">
-              <a:buFont typeface="Arial" panose="020B0604020202020204" pitchFamily="34" charset="0"/>
-              <a:buChar char="•"/>
-            </a:pPr>
-            <a:r>
-              <a:rPr lang="en-US" sz="2800" dirty="0"/>
-              <a:t>65% accuracy on College data</a:t>
-            </a:r>
-          </a:p>
-          <a:p>
-            <a:endParaRPr lang="en-US" sz="2800" dirty="0"/>
+            <a:endParaRPr lang="en-US" sz="2000" dirty="0"/>
           </a:p>
           <a:p>
             <a:r>
@@ -24974,7 +26604,7 @@
         <p:spPr>
           <a:xfrm>
             <a:off x="274639" y="1212849"/>
-            <a:ext cx="11889564" cy="2769989"/>
+            <a:ext cx="11889564" cy="2092881"/>
           </a:xfrm>
         </p:spPr>
         <p:txBody>
@@ -24984,21 +26614,8 @@
             <a:pPr algn="ctr"/>
             <a:r>
               <a:rPr lang="en-US" dirty="0"/>
-              <a:t>Education data (</a:t>
-            </a:r>
-            <a:r>
-              <a:rPr lang="en-US" dirty="0">
-                <a:hlinkClick r:id="rId2"/>
-              </a:rPr>
-              <a:t>LIME_Education_ex_notebook.ipynb</a:t>
-            </a:r>
-            <a:r>
-              <a:rPr lang="en-US" dirty="0"/>
-              <a:t>)</a:t>
-            </a:r>
-          </a:p>
-          <a:p>
-            <a:endParaRPr lang="en-US" dirty="0"/>
+              <a:t>Education and Iris data</a:t>
+            </a:r>
           </a:p>
           <a:p>
             <a:endParaRPr lang="en-US" dirty="0"/>
@@ -25023,7 +26640,7 @@
           <p:nvPr/>
         </p:nvPicPr>
         <p:blipFill>
-          <a:blip r:embed="rId3"/>
+          <a:blip r:embed="rId2"/>
           <a:stretch>
             <a:fillRect/>
           </a:stretch>
@@ -25053,7 +26670,7 @@
           <p:nvPr/>
         </p:nvPicPr>
         <p:blipFill>
-          <a:blip r:embed="rId4"/>
+          <a:blip r:embed="rId3"/>
           <a:stretch>
             <a:fillRect/>
           </a:stretch>

--- a/docs/LIMEaid_Final.pptx
+++ b/docs/LIMEaid_Final.pptx
@@ -29,7 +29,7 @@
     <p:sldId id="1513" r:id="rId17"/>
   </p:sldIdLst>
   <p:sldSz cx="12436475" cy="6994525"/>
-  <p:notesSz cx="6858000" cy="9144000"/>
+  <p:notesSz cx="7315200" cy="9601200"/>
   <p:defaultTextStyle>
     <a:defPPr>
       <a:defRPr lang="en-US"/>
@@ -242,12 +242,12 @@
     </p:ext>
     <p:ext uri="{2D200454-40CA-4A62-9FC3-DE9A4176ACB9}">
       <p15:notesGuideLst xmlns:p15="http://schemas.microsoft.com/office/powerpoint/2012/main">
-        <p15:guide id="1" orient="horz" pos="2880">
+        <p15:guide id="1" orient="horz" pos="3024" userDrawn="1">
           <p15:clr>
             <a:srgbClr val="A4A3A4"/>
           </p15:clr>
         </p15:guide>
-        <p15:guide id="2" pos="2160">
+        <p15:guide id="2" pos="2304" userDrawn="1">
           <p15:clr>
             <a:srgbClr val="A4A3A4"/>
           </p15:clr>
@@ -299,17 +299,17 @@
         <p:spPr>
           <a:xfrm>
             <a:off x="0" y="0"/>
-            <a:ext cx="2971800" cy="457200"/>
+            <a:ext cx="3169920" cy="480060"/>
           </a:xfrm>
           <a:prstGeom prst="rect">
             <a:avLst/>
           </a:prstGeom>
         </p:spPr>
         <p:txBody>
-          <a:bodyPr vert="horz" lIns="91440" tIns="45720" rIns="91440" bIns="45720" rtlCol="0"/>
+          <a:bodyPr vert="horz" lIns="96661" tIns="48331" rIns="96661" bIns="48331" rtlCol="0"/>
           <a:lstStyle>
             <a:lvl1pPr algn="l">
-              <a:defRPr sz="1200"/>
+              <a:defRPr sz="1300"/>
             </a:lvl1pPr>
           </a:lstStyle>
           <a:p>
@@ -331,18 +331,18 @@
         </p:nvSpPr>
         <p:spPr>
           <a:xfrm>
-            <a:off x="3884613" y="0"/>
-            <a:ext cx="2971800" cy="457200"/>
+            <a:off x="4143587" y="0"/>
+            <a:ext cx="3169920" cy="480060"/>
           </a:xfrm>
           <a:prstGeom prst="rect">
             <a:avLst/>
           </a:prstGeom>
         </p:spPr>
         <p:txBody>
-          <a:bodyPr vert="horz" lIns="91440" tIns="45720" rIns="91440" bIns="45720" rtlCol="0"/>
+          <a:bodyPr vert="horz" lIns="96661" tIns="48331" rIns="96661" bIns="48331" rtlCol="0"/>
           <a:lstStyle>
             <a:lvl1pPr algn="r">
-              <a:defRPr sz="1200"/>
+              <a:defRPr sz="1300"/>
             </a:lvl1pPr>
           </a:lstStyle>
           <a:p>
@@ -350,7 +350,7 @@
               <a:rPr lang="en-US" smtClean="0">
                 <a:latin typeface="Segoe UI" pitchFamily="34" charset="0"/>
               </a:rPr>
-              <a:t>6/9/19</a:t>
+              <a:t>6/10/2019</a:t>
             </a:fld>
             <a:endParaRPr lang="en-US" dirty="0">
               <a:latin typeface="Segoe UI" pitchFamily="34" charset="0"/>
@@ -370,22 +370,22 @@
         </p:nvSpPr>
         <p:spPr>
           <a:xfrm>
-            <a:off x="0" y="8685213"/>
-            <a:ext cx="5795010" cy="332434"/>
+            <a:off x="0" y="9119474"/>
+            <a:ext cx="6181344" cy="349056"/>
           </a:xfrm>
           <a:prstGeom prst="rect">
             <a:avLst/>
           </a:prstGeom>
         </p:spPr>
         <p:txBody>
-          <a:bodyPr vert="horz" lIns="91440" tIns="45720" rIns="91440" bIns="45720" rtlCol="0" anchor="b"/>
+          <a:bodyPr vert="horz" lIns="96661" tIns="48331" rIns="96661" bIns="48331" rtlCol="0" anchor="b"/>
           <a:lstStyle>
             <a:lvl1pPr algn="l">
-              <a:defRPr sz="1200"/>
+              <a:defRPr sz="1300"/>
             </a:lvl1pPr>
           </a:lstStyle>
           <a:p>
-            <a:pPr marL="398463" defTabSz="914099" eaLnBrk="0" hangingPunct="0"/>
+            <a:pPr marL="421215" defTabSz="966294" eaLnBrk="0" hangingPunct="0"/>
             <a:r>
               <a:rPr lang="en-US" sz="400" dirty="0">
                 <a:gradFill>
@@ -407,7 +407,7 @@
             </a:r>
           </a:p>
           <a:p>
-            <a:pPr marL="398463" defTabSz="914099" eaLnBrk="0" hangingPunct="0"/>
+            <a:pPr marL="421215" defTabSz="966294" eaLnBrk="0" hangingPunct="0"/>
             <a:r>
               <a:rPr lang="en-US" sz="400" dirty="0">
                 <a:gradFill>
@@ -442,18 +442,18 @@
         </p:nvSpPr>
         <p:spPr>
           <a:xfrm>
-            <a:off x="5783579" y="8685213"/>
-            <a:ext cx="1072833" cy="457200"/>
+            <a:off x="6169152" y="9119474"/>
+            <a:ext cx="1144355" cy="480060"/>
           </a:xfrm>
           <a:prstGeom prst="rect">
             <a:avLst/>
           </a:prstGeom>
         </p:spPr>
         <p:txBody>
-          <a:bodyPr vert="horz" lIns="91440" tIns="45720" rIns="91440" bIns="45720" rtlCol="0" anchor="b"/>
+          <a:bodyPr vert="horz" lIns="96661" tIns="48331" rIns="96661" bIns="48331" rtlCol="0" anchor="b"/>
           <a:lstStyle>
             <a:lvl1pPr algn="r">
-              <a:defRPr sz="1200"/>
+              <a:defRPr sz="1300"/>
             </a:lvl1pPr>
           </a:lstStyle>
           <a:p>
@@ -516,17 +516,17 @@
         <p:spPr>
           <a:xfrm>
             <a:off x="0" y="0"/>
-            <a:ext cx="2971800" cy="457200"/>
+            <a:ext cx="3169920" cy="480060"/>
           </a:xfrm>
           <a:prstGeom prst="rect">
             <a:avLst/>
           </a:prstGeom>
         </p:spPr>
         <p:txBody>
-          <a:bodyPr vert="horz" lIns="91440" tIns="45720" rIns="91440" bIns="45720" rtlCol="0"/>
+          <a:bodyPr vert="horz" lIns="96661" tIns="48331" rIns="96661" bIns="48331" rtlCol="0"/>
           <a:lstStyle>
             <a:lvl1pPr algn="l">
-              <a:defRPr sz="1200">
+              <a:defRPr sz="1300">
                 <a:latin typeface="Segoe UI" pitchFamily="34" charset="0"/>
               </a:defRPr>
             </a:lvl1pPr>
@@ -548,8 +548,8 @@
         </p:nvSpPr>
         <p:spPr>
           <a:xfrm>
-            <a:off x="381000" y="685800"/>
-            <a:ext cx="6096000" cy="3429000"/>
+            <a:off x="457200" y="720725"/>
+            <a:ext cx="6400800" cy="3600450"/>
           </a:xfrm>
           <a:prstGeom prst="rect">
             <a:avLst/>
@@ -562,7 +562,7 @@
           </a:ln>
         </p:spPr>
         <p:txBody>
-          <a:bodyPr vert="horz" lIns="91440" tIns="45720" rIns="91440" bIns="45720" rtlCol="0" anchor="ctr"/>
+          <a:bodyPr vert="horz" lIns="96661" tIns="48331" rIns="96661" bIns="48331" rtlCol="0" anchor="ctr"/>
           <a:lstStyle/>
           <a:p>
             <a:endParaRPr lang="en-US" dirty="0"/>
@@ -581,24 +581,24 @@
         </p:nvSpPr>
         <p:spPr>
           <a:xfrm>
-            <a:off x="0" y="8686800"/>
-            <a:ext cx="5920740" cy="355964"/>
+            <a:off x="0" y="9121140"/>
+            <a:ext cx="6315456" cy="373762"/>
           </a:xfrm>
           <a:prstGeom prst="rect">
             <a:avLst/>
           </a:prstGeom>
         </p:spPr>
         <p:txBody>
-          <a:bodyPr vert="horz" lIns="91440" tIns="45720" rIns="91440" bIns="45720" rtlCol="0" anchor="b"/>
+          <a:bodyPr vert="horz" lIns="96661" tIns="48331" rIns="96661" bIns="48331" rtlCol="0" anchor="b"/>
           <a:lstStyle>
-            <a:lvl1pPr marL="571500" indent="0" algn="l">
-              <a:defRPr sz="1200"/>
+            <a:lvl1pPr marL="604133" indent="0" algn="l">
+              <a:defRPr sz="1300"/>
             </a:lvl1pPr>
           </a:lstStyle>
           <a:p>
-            <a:pPr defTabSz="914099" eaLnBrk="0" hangingPunct="0"/>
-            <a:r>
-              <a:rPr lang="en-US" sz="400" dirty="0">
+            <a:pPr defTabSz="966294" eaLnBrk="0" hangingPunct="0"/>
+            <a:r>
+              <a:rPr lang="en-US" sz="400">
                 <a:gradFill>
                   <a:gsLst>
                     <a:gs pos="0">
@@ -618,9 +618,9 @@
             </a:r>
           </a:p>
           <a:p>
-            <a:pPr defTabSz="914099" eaLnBrk="0" hangingPunct="0"/>
-            <a:r>
-              <a:rPr lang="en-US" sz="400" dirty="0">
+            <a:pPr defTabSz="966294" eaLnBrk="0" hangingPunct="0"/>
+            <a:r>
+              <a:rPr lang="en-US" sz="400">
                 <a:gradFill>
                   <a:gsLst>
                     <a:gs pos="0">
@@ -638,6 +638,22 @@
               </a:rPr>
               <a:t>The information herein is for informational purposes only and represents the current view of Microsoft Corporation as of the date of this presentation.  Because Microsoft must respond to changing market conditions, it should not be interpreted to be a commitment on the part of Microsoft, and Microsoft cannot guarantee the accuracy of any information provided after the date of this presentation.  MICROSOFT MAKES NO WARRANTIES, EXPRESS, IMPLIED OR STATUTORY, AS TO THE INFORMATION IN THIS PRESENTATION.</a:t>
             </a:r>
+            <a:endParaRPr lang="en-US" sz="400" dirty="0">
+              <a:gradFill>
+                <a:gsLst>
+                  <a:gs pos="0">
+                    <a:prstClr val="black"/>
+                  </a:gs>
+                  <a:gs pos="100000">
+                    <a:prstClr val="black"/>
+                  </a:gs>
+                </a:gsLst>
+                <a:lin ang="5400000" scaled="0"/>
+              </a:gradFill>
+              <a:latin typeface="Segoe UI" pitchFamily="34" charset="0"/>
+              <a:ea typeface="Segoe UI" pitchFamily="34" charset="0"/>
+              <a:cs typeface="Segoe UI" pitchFamily="34" charset="0"/>
+            </a:endParaRPr>
           </a:p>
         </p:txBody>
       </p:sp>
@@ -653,18 +669,18 @@
         </p:nvSpPr>
         <p:spPr>
           <a:xfrm>
-            <a:off x="3884613" y="0"/>
-            <a:ext cx="2971800" cy="457200"/>
+            <a:off x="4143587" y="0"/>
+            <a:ext cx="3169920" cy="480060"/>
           </a:xfrm>
           <a:prstGeom prst="rect">
             <a:avLst/>
           </a:prstGeom>
         </p:spPr>
         <p:txBody>
-          <a:bodyPr vert="horz" lIns="91440" tIns="45720" rIns="91440" bIns="45720" rtlCol="0"/>
+          <a:bodyPr vert="horz" lIns="96661" tIns="48331" rIns="96661" bIns="48331" rtlCol="0"/>
           <a:lstStyle>
             <a:lvl1pPr algn="r">
-              <a:defRPr sz="1200">
+              <a:defRPr sz="1300">
                 <a:latin typeface="Segoe UI" pitchFamily="34" charset="0"/>
               </a:defRPr>
             </a:lvl1pPr>
@@ -673,7 +689,7 @@
             <a:fld id="{D51B1278-D92B-4AF3-A9C1-71DD298190CE}" type="datetimeFigureOut">
               <a:rPr lang="en-US" smtClean="0"/>
               <a:pPr/>
-              <a:t>6/9/19</a:t>
+              <a:t>6/10/2019</a:t>
             </a:fld>
             <a:endParaRPr lang="en-US" dirty="0"/>
           </a:p>
@@ -691,15 +707,15 @@
         </p:nvSpPr>
         <p:spPr>
           <a:xfrm>
-            <a:off x="685800" y="4343400"/>
-            <a:ext cx="5486400" cy="4114800"/>
+            <a:off x="731520" y="4560570"/>
+            <a:ext cx="5852160" cy="4320540"/>
           </a:xfrm>
           <a:prstGeom prst="rect">
             <a:avLst/>
           </a:prstGeom>
         </p:spPr>
         <p:txBody>
-          <a:bodyPr vert="horz" lIns="91440" tIns="45720" rIns="91440" bIns="45720" rtlCol="0"/>
+          <a:bodyPr vert="horz" lIns="96661" tIns="48331" rIns="96661" bIns="48331" rtlCol="0"/>
           <a:lstStyle/>
           <a:p>
             <a:pPr lvl="0"/>
@@ -750,18 +766,18 @@
         </p:nvSpPr>
         <p:spPr>
           <a:xfrm>
-            <a:off x="5909309" y="8685213"/>
-            <a:ext cx="947103" cy="457200"/>
+            <a:off x="6303264" y="9119474"/>
+            <a:ext cx="1010243" cy="480060"/>
           </a:xfrm>
           <a:prstGeom prst="rect">
             <a:avLst/>
           </a:prstGeom>
         </p:spPr>
         <p:txBody>
-          <a:bodyPr vert="horz" lIns="91440" tIns="45720" rIns="91440" bIns="45720" rtlCol="0" anchor="b"/>
+          <a:bodyPr vert="horz" lIns="96661" tIns="48331" rIns="96661" bIns="48331" rtlCol="0" anchor="b"/>
           <a:lstStyle>
             <a:lvl1pPr algn="r">
-              <a:defRPr sz="1200">
+              <a:defRPr sz="1300">
                 <a:latin typeface="Segoe UI" pitchFamily="34" charset="0"/>
               </a:defRPr>
             </a:lvl1pPr>
@@ -988,7 +1004,7 @@
                 </a:solidFill>
               </a:rPr>
               <a:pPr/>
-              <a:t>6/9/19</a:t>
+              <a:t>6/10/2019</a:t>
             </a:fld>
             <a:endParaRPr lang="en-US" dirty="0">
               <a:solidFill>
@@ -1045,7 +1061,7 @@
           <a:bodyPr/>
           <a:lstStyle/>
           <a:p>
-            <a:pPr defTabSz="914099" eaLnBrk="0" hangingPunct="0"/>
+            <a:pPr defTabSz="966294" eaLnBrk="0" hangingPunct="0"/>
             <a:r>
               <a:rPr lang="en-US" sz="400">
                 <a:gradFill>
@@ -1179,7 +1195,7 @@
           <a:bodyPr/>
           <a:lstStyle/>
           <a:p>
-            <a:pPr defTabSz="914099" eaLnBrk="0" hangingPunct="0"/>
+            <a:pPr defTabSz="966294" eaLnBrk="0" hangingPunct="0"/>
             <a:r>
               <a:rPr lang="en-US" sz="400">
                 <a:gradFill>
@@ -1201,7 +1217,7 @@
             </a:r>
           </a:p>
           <a:p>
-            <a:pPr defTabSz="914099" eaLnBrk="0" hangingPunct="0"/>
+            <a:pPr defTabSz="966294" eaLnBrk="0" hangingPunct="0"/>
             <a:r>
               <a:rPr lang="en-US" sz="400">
                 <a:gradFill>
@@ -1257,7 +1273,7 @@
           <a:p>
             <a:fld id="{A2F80D1E-9BB7-3E4A-A07B-506B5A450EB9}" type="datetime1">
               <a:rPr lang="en-US" smtClean="0"/>
-              <a:t>6/9/19</a:t>
+              <a:t>6/10/2019</a:t>
             </a:fld>
             <a:endParaRPr lang="en-US" dirty="0"/>
           </a:p>
@@ -1382,7 +1398,7 @@
           <a:bodyPr/>
           <a:lstStyle/>
           <a:p>
-            <a:pPr defTabSz="914099" eaLnBrk="0" hangingPunct="0"/>
+            <a:pPr defTabSz="966294" eaLnBrk="0" hangingPunct="0"/>
             <a:r>
               <a:rPr lang="en-US" sz="400">
                 <a:gradFill>
@@ -1404,7 +1420,7 @@
             </a:r>
           </a:p>
           <a:p>
-            <a:pPr defTabSz="914099" eaLnBrk="0" hangingPunct="0"/>
+            <a:pPr defTabSz="966294" eaLnBrk="0" hangingPunct="0"/>
             <a:r>
               <a:rPr lang="en-US" sz="400">
                 <a:gradFill>
@@ -1460,7 +1476,7 @@
           <a:p>
             <a:fld id="{2CC38E55-4D15-FF41-95D7-947B6B24F6A2}" type="datetime1">
               <a:rPr lang="en-US" smtClean="0"/>
-              <a:t>6/9/19</a:t>
+              <a:t>6/10/2019</a:t>
             </a:fld>
             <a:endParaRPr lang="en-US" dirty="0"/>
           </a:p>
@@ -1585,7 +1601,7 @@
           <a:bodyPr/>
           <a:lstStyle/>
           <a:p>
-            <a:pPr defTabSz="914099" eaLnBrk="0" hangingPunct="0"/>
+            <a:pPr defTabSz="966294" eaLnBrk="0" hangingPunct="0"/>
             <a:r>
               <a:rPr lang="en-US" sz="400">
                 <a:gradFill>
@@ -1607,7 +1623,7 @@
             </a:r>
           </a:p>
           <a:p>
-            <a:pPr defTabSz="914099" eaLnBrk="0" hangingPunct="0"/>
+            <a:pPr defTabSz="966294" eaLnBrk="0" hangingPunct="0"/>
             <a:r>
               <a:rPr lang="en-US" sz="400">
                 <a:gradFill>
@@ -1663,7 +1679,7 @@
           <a:p>
             <a:fld id="{88CF5C58-8920-5340-87E4-AA96765D5BFA}" type="datetime1">
               <a:rPr lang="en-US" smtClean="0"/>
-              <a:t>6/9/19</a:t>
+              <a:t>6/10/2019</a:t>
             </a:fld>
             <a:endParaRPr lang="en-US" dirty="0"/>
           </a:p>
@@ -1788,7 +1804,7 @@
           <a:bodyPr/>
           <a:lstStyle/>
           <a:p>
-            <a:pPr defTabSz="914099" eaLnBrk="0" hangingPunct="0"/>
+            <a:pPr defTabSz="966294" eaLnBrk="0" hangingPunct="0"/>
             <a:r>
               <a:rPr lang="en-US" sz="400">
                 <a:gradFill>
@@ -1810,7 +1826,7 @@
             </a:r>
           </a:p>
           <a:p>
-            <a:pPr defTabSz="914099" eaLnBrk="0" hangingPunct="0"/>
+            <a:pPr defTabSz="966294" eaLnBrk="0" hangingPunct="0"/>
             <a:r>
               <a:rPr lang="en-US" sz="400">
                 <a:gradFill>
@@ -1866,7 +1882,7 @@
           <a:p>
             <a:fld id="{2E78417D-D831-3149-81FB-4412A9D9D9EA}" type="datetime1">
               <a:rPr lang="en-US" smtClean="0"/>
-              <a:t>6/9/19</a:t>
+              <a:t>6/10/2019</a:t>
             </a:fld>
             <a:endParaRPr lang="en-US" dirty="0"/>
           </a:p>
@@ -1991,7 +2007,7 @@
           <a:bodyPr/>
           <a:lstStyle/>
           <a:p>
-            <a:pPr defTabSz="914099" eaLnBrk="0" hangingPunct="0"/>
+            <a:pPr defTabSz="966294" eaLnBrk="0" hangingPunct="0"/>
             <a:r>
               <a:rPr lang="en-US" sz="400">
                 <a:gradFill>
@@ -2013,7 +2029,7 @@
             </a:r>
           </a:p>
           <a:p>
-            <a:pPr defTabSz="914099" eaLnBrk="0" hangingPunct="0"/>
+            <a:pPr defTabSz="966294" eaLnBrk="0" hangingPunct="0"/>
             <a:r>
               <a:rPr lang="en-US" sz="400">
                 <a:gradFill>
@@ -2069,7 +2085,7 @@
           <a:p>
             <a:fld id="{A40AB584-262F-C941-90EB-DE58EC429993}" type="datetime1">
               <a:rPr lang="en-US" smtClean="0"/>
-              <a:t>6/9/19</a:t>
+              <a:t>6/10/2019</a:t>
             </a:fld>
             <a:endParaRPr lang="en-US" dirty="0"/>
           </a:p>
@@ -2194,7 +2210,7 @@
           <a:bodyPr/>
           <a:lstStyle/>
           <a:p>
-            <a:pPr defTabSz="914099" eaLnBrk="0" hangingPunct="0"/>
+            <a:pPr defTabSz="966294" eaLnBrk="0" hangingPunct="0"/>
             <a:r>
               <a:rPr lang="en-US" sz="400">
                 <a:gradFill>
@@ -2216,7 +2232,7 @@
             </a:r>
           </a:p>
           <a:p>
-            <a:pPr defTabSz="914099" eaLnBrk="0" hangingPunct="0"/>
+            <a:pPr defTabSz="966294" eaLnBrk="0" hangingPunct="0"/>
             <a:r>
               <a:rPr lang="en-US" sz="400">
                 <a:gradFill>
@@ -2272,7 +2288,7 @@
           <a:p>
             <a:fld id="{3431E417-7B3F-7140-A6E3-2413BC0EF3AE}" type="datetime1">
               <a:rPr lang="en-US" smtClean="0"/>
-              <a:t>6/9/19</a:t>
+              <a:t>6/10/2019</a:t>
             </a:fld>
             <a:endParaRPr lang="en-US" dirty="0"/>
           </a:p>
@@ -2397,7 +2413,7 @@
           <a:bodyPr/>
           <a:lstStyle/>
           <a:p>
-            <a:pPr defTabSz="914099" eaLnBrk="0" hangingPunct="0"/>
+            <a:pPr defTabSz="966294" eaLnBrk="0" hangingPunct="0"/>
             <a:r>
               <a:rPr lang="en-US" sz="400">
                 <a:gradFill>
@@ -2419,7 +2435,7 @@
             </a:r>
           </a:p>
           <a:p>
-            <a:pPr defTabSz="914099" eaLnBrk="0" hangingPunct="0"/>
+            <a:pPr defTabSz="966294" eaLnBrk="0" hangingPunct="0"/>
             <a:r>
               <a:rPr lang="en-US" sz="400">
                 <a:gradFill>
@@ -2475,7 +2491,7 @@
           <a:p>
             <a:fld id="{C5F982DC-979A-754C-8344-48D9C9F14C14}" type="datetime1">
               <a:rPr lang="en-US" smtClean="0"/>
-              <a:t>6/9/19</a:t>
+              <a:t>6/10/2019</a:t>
             </a:fld>
             <a:endParaRPr lang="en-US" dirty="0"/>
           </a:p>
@@ -23970,8 +23986,8 @@
         </p:nvSpPr>
         <p:spPr>
           <a:xfrm>
-            <a:off x="274639" y="1212849"/>
-            <a:ext cx="11889564" cy="6235553"/>
+            <a:off x="273455" y="1135062"/>
+            <a:ext cx="11889564" cy="7183505"/>
           </a:xfrm>
         </p:spPr>
         <p:txBody>
@@ -24102,6 +24118,29 @@
             <a:r>
               <a:rPr lang="en-US" sz="2800" dirty="0"/>
               <a:t> for number of coefficients</a:t>
+            </a:r>
+          </a:p>
+          <a:p>
+            <a:pPr>
+              <a:buClr>
+                <a:schemeClr val="tx2"/>
+              </a:buClr>
+            </a:pPr>
+            <a:endParaRPr lang="en-US" sz="2800" dirty="0"/>
+          </a:p>
+          <a:p>
+            <a:pPr>
+              <a:buClr>
+                <a:schemeClr val="tx2"/>
+              </a:buClr>
+            </a:pPr>
+            <a:r>
+              <a:rPr lang="en-US" sz="2800" b="1" dirty="0"/>
+              <a:t>Improve method</a:t>
+            </a:r>
+            <a:r>
+              <a:rPr lang="en-US" sz="2800" dirty="0"/>
+              <a:t> to generate random samples</a:t>
             </a:r>
             <a:br>
               <a:rPr lang="en-US" sz="2800" dirty="0"/>

--- a/docs/LIMEaid_Final.pptx
+++ b/docs/LIMEaid_Final.pptx
@@ -29,7 +29,7 @@
     <p:sldId id="1513" r:id="rId17"/>
   </p:sldIdLst>
   <p:sldSz cx="12436475" cy="6994525"/>
-  <p:notesSz cx="7315200" cy="9601200"/>
+  <p:notesSz cx="6858000" cy="9144000"/>
   <p:defaultTextStyle>
     <a:defPPr>
       <a:defRPr lang="en-US"/>
@@ -242,12 +242,12 @@
     </p:ext>
     <p:ext uri="{2D200454-40CA-4A62-9FC3-DE9A4176ACB9}">
       <p15:notesGuideLst xmlns:p15="http://schemas.microsoft.com/office/powerpoint/2012/main">
-        <p15:guide id="1" orient="horz" pos="3024" userDrawn="1">
+        <p15:guide id="1" orient="horz" pos="2880">
           <p15:clr>
             <a:srgbClr val="A4A3A4"/>
           </p15:clr>
         </p15:guide>
-        <p15:guide id="2" pos="2304" userDrawn="1">
+        <p15:guide id="2" pos="2160">
           <p15:clr>
             <a:srgbClr val="A4A3A4"/>
           </p15:clr>
@@ -299,17 +299,17 @@
         <p:spPr>
           <a:xfrm>
             <a:off x="0" y="0"/>
-            <a:ext cx="3169920" cy="480060"/>
+            <a:ext cx="2971800" cy="457200"/>
           </a:xfrm>
           <a:prstGeom prst="rect">
             <a:avLst/>
           </a:prstGeom>
         </p:spPr>
         <p:txBody>
-          <a:bodyPr vert="horz" lIns="96661" tIns="48331" rIns="96661" bIns="48331" rtlCol="0"/>
+          <a:bodyPr vert="horz" lIns="91440" tIns="45720" rIns="91440" bIns="45720" rtlCol="0"/>
           <a:lstStyle>
             <a:lvl1pPr algn="l">
-              <a:defRPr sz="1300"/>
+              <a:defRPr sz="1200"/>
             </a:lvl1pPr>
           </a:lstStyle>
           <a:p>
@@ -331,18 +331,18 @@
         </p:nvSpPr>
         <p:spPr>
           <a:xfrm>
-            <a:off x="4143587" y="0"/>
-            <a:ext cx="3169920" cy="480060"/>
+            <a:off x="3884613" y="0"/>
+            <a:ext cx="2971800" cy="457200"/>
           </a:xfrm>
           <a:prstGeom prst="rect">
             <a:avLst/>
           </a:prstGeom>
         </p:spPr>
         <p:txBody>
-          <a:bodyPr vert="horz" lIns="96661" tIns="48331" rIns="96661" bIns="48331" rtlCol="0"/>
+          <a:bodyPr vert="horz" lIns="91440" tIns="45720" rIns="91440" bIns="45720" rtlCol="0"/>
           <a:lstStyle>
             <a:lvl1pPr algn="r">
-              <a:defRPr sz="1300"/>
+              <a:defRPr sz="1200"/>
             </a:lvl1pPr>
           </a:lstStyle>
           <a:p>
@@ -350,7 +350,7 @@
               <a:rPr lang="en-US" smtClean="0">
                 <a:latin typeface="Segoe UI" pitchFamily="34" charset="0"/>
               </a:rPr>
-              <a:t>6/10/2019</a:t>
+              <a:t>6/11/19</a:t>
             </a:fld>
             <a:endParaRPr lang="en-US" dirty="0">
               <a:latin typeface="Segoe UI" pitchFamily="34" charset="0"/>
@@ -370,22 +370,22 @@
         </p:nvSpPr>
         <p:spPr>
           <a:xfrm>
-            <a:off x="0" y="9119474"/>
-            <a:ext cx="6181344" cy="349056"/>
+            <a:off x="0" y="8685213"/>
+            <a:ext cx="5795010" cy="332434"/>
           </a:xfrm>
           <a:prstGeom prst="rect">
             <a:avLst/>
           </a:prstGeom>
         </p:spPr>
         <p:txBody>
-          <a:bodyPr vert="horz" lIns="96661" tIns="48331" rIns="96661" bIns="48331" rtlCol="0" anchor="b"/>
+          <a:bodyPr vert="horz" lIns="91440" tIns="45720" rIns="91440" bIns="45720" rtlCol="0" anchor="b"/>
           <a:lstStyle>
             <a:lvl1pPr algn="l">
-              <a:defRPr sz="1300"/>
+              <a:defRPr sz="1200"/>
             </a:lvl1pPr>
           </a:lstStyle>
           <a:p>
-            <a:pPr marL="421215" defTabSz="966294" eaLnBrk="0" hangingPunct="0"/>
+            <a:pPr marL="398463" defTabSz="914099" eaLnBrk="0" hangingPunct="0"/>
             <a:r>
               <a:rPr lang="en-US" sz="400" dirty="0">
                 <a:gradFill>
@@ -407,7 +407,7 @@
             </a:r>
           </a:p>
           <a:p>
-            <a:pPr marL="421215" defTabSz="966294" eaLnBrk="0" hangingPunct="0"/>
+            <a:pPr marL="398463" defTabSz="914099" eaLnBrk="0" hangingPunct="0"/>
             <a:r>
               <a:rPr lang="en-US" sz="400" dirty="0">
                 <a:gradFill>
@@ -442,18 +442,18 @@
         </p:nvSpPr>
         <p:spPr>
           <a:xfrm>
-            <a:off x="6169152" y="9119474"/>
-            <a:ext cx="1144355" cy="480060"/>
+            <a:off x="5783579" y="8685213"/>
+            <a:ext cx="1072833" cy="457200"/>
           </a:xfrm>
           <a:prstGeom prst="rect">
             <a:avLst/>
           </a:prstGeom>
         </p:spPr>
         <p:txBody>
-          <a:bodyPr vert="horz" lIns="96661" tIns="48331" rIns="96661" bIns="48331" rtlCol="0" anchor="b"/>
+          <a:bodyPr vert="horz" lIns="91440" tIns="45720" rIns="91440" bIns="45720" rtlCol="0" anchor="b"/>
           <a:lstStyle>
             <a:lvl1pPr algn="r">
-              <a:defRPr sz="1300"/>
+              <a:defRPr sz="1200"/>
             </a:lvl1pPr>
           </a:lstStyle>
           <a:p>
@@ -516,17 +516,17 @@
         <p:spPr>
           <a:xfrm>
             <a:off x="0" y="0"/>
-            <a:ext cx="3169920" cy="480060"/>
+            <a:ext cx="2971800" cy="457200"/>
           </a:xfrm>
           <a:prstGeom prst="rect">
             <a:avLst/>
           </a:prstGeom>
         </p:spPr>
         <p:txBody>
-          <a:bodyPr vert="horz" lIns="96661" tIns="48331" rIns="96661" bIns="48331" rtlCol="0"/>
+          <a:bodyPr vert="horz" lIns="91440" tIns="45720" rIns="91440" bIns="45720" rtlCol="0"/>
           <a:lstStyle>
             <a:lvl1pPr algn="l">
-              <a:defRPr sz="1300">
+              <a:defRPr sz="1200">
                 <a:latin typeface="Segoe UI" pitchFamily="34" charset="0"/>
               </a:defRPr>
             </a:lvl1pPr>
@@ -548,8 +548,8 @@
         </p:nvSpPr>
         <p:spPr>
           <a:xfrm>
-            <a:off x="457200" y="720725"/>
-            <a:ext cx="6400800" cy="3600450"/>
+            <a:off x="381000" y="685800"/>
+            <a:ext cx="6096000" cy="3429000"/>
           </a:xfrm>
           <a:prstGeom prst="rect">
             <a:avLst/>
@@ -562,7 +562,7 @@
           </a:ln>
         </p:spPr>
         <p:txBody>
-          <a:bodyPr vert="horz" lIns="96661" tIns="48331" rIns="96661" bIns="48331" rtlCol="0" anchor="ctr"/>
+          <a:bodyPr vert="horz" lIns="91440" tIns="45720" rIns="91440" bIns="45720" rtlCol="0" anchor="ctr"/>
           <a:lstStyle/>
           <a:p>
             <a:endParaRPr lang="en-US" dirty="0"/>
@@ -581,24 +581,24 @@
         </p:nvSpPr>
         <p:spPr>
           <a:xfrm>
-            <a:off x="0" y="9121140"/>
-            <a:ext cx="6315456" cy="373762"/>
+            <a:off x="0" y="8686800"/>
+            <a:ext cx="5920740" cy="355964"/>
           </a:xfrm>
           <a:prstGeom prst="rect">
             <a:avLst/>
           </a:prstGeom>
         </p:spPr>
         <p:txBody>
-          <a:bodyPr vert="horz" lIns="96661" tIns="48331" rIns="96661" bIns="48331" rtlCol="0" anchor="b"/>
+          <a:bodyPr vert="horz" lIns="91440" tIns="45720" rIns="91440" bIns="45720" rtlCol="0" anchor="b"/>
           <a:lstStyle>
-            <a:lvl1pPr marL="604133" indent="0" algn="l">
-              <a:defRPr sz="1300"/>
+            <a:lvl1pPr marL="571500" indent="0" algn="l">
+              <a:defRPr sz="1200"/>
             </a:lvl1pPr>
           </a:lstStyle>
           <a:p>
-            <a:pPr defTabSz="966294" eaLnBrk="0" hangingPunct="0"/>
-            <a:r>
-              <a:rPr lang="en-US" sz="400">
+            <a:pPr defTabSz="914099" eaLnBrk="0" hangingPunct="0"/>
+            <a:r>
+              <a:rPr lang="en-US" sz="400" dirty="0">
                 <a:gradFill>
                   <a:gsLst>
                     <a:gs pos="0">
@@ -618,9 +618,9 @@
             </a:r>
           </a:p>
           <a:p>
-            <a:pPr defTabSz="966294" eaLnBrk="0" hangingPunct="0"/>
-            <a:r>
-              <a:rPr lang="en-US" sz="400">
+            <a:pPr defTabSz="914099" eaLnBrk="0" hangingPunct="0"/>
+            <a:r>
+              <a:rPr lang="en-US" sz="400" dirty="0">
                 <a:gradFill>
                   <a:gsLst>
                     <a:gs pos="0">
@@ -638,22 +638,6 @@
               </a:rPr>
               <a:t>The information herein is for informational purposes only and represents the current view of Microsoft Corporation as of the date of this presentation.  Because Microsoft must respond to changing market conditions, it should not be interpreted to be a commitment on the part of Microsoft, and Microsoft cannot guarantee the accuracy of any information provided after the date of this presentation.  MICROSOFT MAKES NO WARRANTIES, EXPRESS, IMPLIED OR STATUTORY, AS TO THE INFORMATION IN THIS PRESENTATION.</a:t>
             </a:r>
-            <a:endParaRPr lang="en-US" sz="400" dirty="0">
-              <a:gradFill>
-                <a:gsLst>
-                  <a:gs pos="0">
-                    <a:prstClr val="black"/>
-                  </a:gs>
-                  <a:gs pos="100000">
-                    <a:prstClr val="black"/>
-                  </a:gs>
-                </a:gsLst>
-                <a:lin ang="5400000" scaled="0"/>
-              </a:gradFill>
-              <a:latin typeface="Segoe UI" pitchFamily="34" charset="0"/>
-              <a:ea typeface="Segoe UI" pitchFamily="34" charset="0"/>
-              <a:cs typeface="Segoe UI" pitchFamily="34" charset="0"/>
-            </a:endParaRPr>
           </a:p>
         </p:txBody>
       </p:sp>
@@ -669,18 +653,18 @@
         </p:nvSpPr>
         <p:spPr>
           <a:xfrm>
-            <a:off x="4143587" y="0"/>
-            <a:ext cx="3169920" cy="480060"/>
+            <a:off x="3884613" y="0"/>
+            <a:ext cx="2971800" cy="457200"/>
           </a:xfrm>
           <a:prstGeom prst="rect">
             <a:avLst/>
           </a:prstGeom>
         </p:spPr>
         <p:txBody>
-          <a:bodyPr vert="horz" lIns="96661" tIns="48331" rIns="96661" bIns="48331" rtlCol="0"/>
+          <a:bodyPr vert="horz" lIns="91440" tIns="45720" rIns="91440" bIns="45720" rtlCol="0"/>
           <a:lstStyle>
             <a:lvl1pPr algn="r">
-              <a:defRPr sz="1300">
+              <a:defRPr sz="1200">
                 <a:latin typeface="Segoe UI" pitchFamily="34" charset="0"/>
               </a:defRPr>
             </a:lvl1pPr>
@@ -689,7 +673,7 @@
             <a:fld id="{D51B1278-D92B-4AF3-A9C1-71DD298190CE}" type="datetimeFigureOut">
               <a:rPr lang="en-US" smtClean="0"/>
               <a:pPr/>
-              <a:t>6/10/2019</a:t>
+              <a:t>6/11/19</a:t>
             </a:fld>
             <a:endParaRPr lang="en-US" dirty="0"/>
           </a:p>
@@ -707,15 +691,15 @@
         </p:nvSpPr>
         <p:spPr>
           <a:xfrm>
-            <a:off x="731520" y="4560570"/>
-            <a:ext cx="5852160" cy="4320540"/>
+            <a:off x="685800" y="4343400"/>
+            <a:ext cx="5486400" cy="4114800"/>
           </a:xfrm>
           <a:prstGeom prst="rect">
             <a:avLst/>
           </a:prstGeom>
         </p:spPr>
         <p:txBody>
-          <a:bodyPr vert="horz" lIns="96661" tIns="48331" rIns="96661" bIns="48331" rtlCol="0"/>
+          <a:bodyPr vert="horz" lIns="91440" tIns="45720" rIns="91440" bIns="45720" rtlCol="0"/>
           <a:lstStyle/>
           <a:p>
             <a:pPr lvl="0"/>
@@ -766,18 +750,18 @@
         </p:nvSpPr>
         <p:spPr>
           <a:xfrm>
-            <a:off x="6303264" y="9119474"/>
-            <a:ext cx="1010243" cy="480060"/>
+            <a:off x="5909309" y="8685213"/>
+            <a:ext cx="947103" cy="457200"/>
           </a:xfrm>
           <a:prstGeom prst="rect">
             <a:avLst/>
           </a:prstGeom>
         </p:spPr>
         <p:txBody>
-          <a:bodyPr vert="horz" lIns="96661" tIns="48331" rIns="96661" bIns="48331" rtlCol="0" anchor="b"/>
+          <a:bodyPr vert="horz" lIns="91440" tIns="45720" rIns="91440" bIns="45720" rtlCol="0" anchor="b"/>
           <a:lstStyle>
             <a:lvl1pPr algn="r">
-              <a:defRPr sz="1300">
+              <a:defRPr sz="1200">
                 <a:latin typeface="Segoe UI" pitchFamily="34" charset="0"/>
               </a:defRPr>
             </a:lvl1pPr>
@@ -1004,7 +988,7 @@
                 </a:solidFill>
               </a:rPr>
               <a:pPr/>
-              <a:t>6/10/2019</a:t>
+              <a:t>6/11/19</a:t>
             </a:fld>
             <a:endParaRPr lang="en-US" dirty="0">
               <a:solidFill>
@@ -1061,7 +1045,7 @@
           <a:bodyPr/>
           <a:lstStyle/>
           <a:p>
-            <a:pPr defTabSz="966294" eaLnBrk="0" hangingPunct="0"/>
+            <a:pPr defTabSz="914099" eaLnBrk="0" hangingPunct="0"/>
             <a:r>
               <a:rPr lang="en-US" sz="400">
                 <a:gradFill>
@@ -1195,7 +1179,7 @@
           <a:bodyPr/>
           <a:lstStyle/>
           <a:p>
-            <a:pPr defTabSz="966294" eaLnBrk="0" hangingPunct="0"/>
+            <a:pPr defTabSz="914099" eaLnBrk="0" hangingPunct="0"/>
             <a:r>
               <a:rPr lang="en-US" sz="400">
                 <a:gradFill>
@@ -1217,7 +1201,7 @@
             </a:r>
           </a:p>
           <a:p>
-            <a:pPr defTabSz="966294" eaLnBrk="0" hangingPunct="0"/>
+            <a:pPr defTabSz="914099" eaLnBrk="0" hangingPunct="0"/>
             <a:r>
               <a:rPr lang="en-US" sz="400">
                 <a:gradFill>
@@ -1273,7 +1257,7 @@
           <a:p>
             <a:fld id="{A2F80D1E-9BB7-3E4A-A07B-506B5A450EB9}" type="datetime1">
               <a:rPr lang="en-US" smtClean="0"/>
-              <a:t>6/10/2019</a:t>
+              <a:t>6/11/19</a:t>
             </a:fld>
             <a:endParaRPr lang="en-US" dirty="0"/>
           </a:p>
@@ -1398,7 +1382,7 @@
           <a:bodyPr/>
           <a:lstStyle/>
           <a:p>
-            <a:pPr defTabSz="966294" eaLnBrk="0" hangingPunct="0"/>
+            <a:pPr defTabSz="914099" eaLnBrk="0" hangingPunct="0"/>
             <a:r>
               <a:rPr lang="en-US" sz="400">
                 <a:gradFill>
@@ -1420,7 +1404,7 @@
             </a:r>
           </a:p>
           <a:p>
-            <a:pPr defTabSz="966294" eaLnBrk="0" hangingPunct="0"/>
+            <a:pPr defTabSz="914099" eaLnBrk="0" hangingPunct="0"/>
             <a:r>
               <a:rPr lang="en-US" sz="400">
                 <a:gradFill>
@@ -1476,7 +1460,7 @@
           <a:p>
             <a:fld id="{2CC38E55-4D15-FF41-95D7-947B6B24F6A2}" type="datetime1">
               <a:rPr lang="en-US" smtClean="0"/>
-              <a:t>6/10/2019</a:t>
+              <a:t>6/11/19</a:t>
             </a:fld>
             <a:endParaRPr lang="en-US" dirty="0"/>
           </a:p>
@@ -1601,7 +1585,7 @@
           <a:bodyPr/>
           <a:lstStyle/>
           <a:p>
-            <a:pPr defTabSz="966294" eaLnBrk="0" hangingPunct="0"/>
+            <a:pPr defTabSz="914099" eaLnBrk="0" hangingPunct="0"/>
             <a:r>
               <a:rPr lang="en-US" sz="400">
                 <a:gradFill>
@@ -1623,7 +1607,7 @@
             </a:r>
           </a:p>
           <a:p>
-            <a:pPr defTabSz="966294" eaLnBrk="0" hangingPunct="0"/>
+            <a:pPr defTabSz="914099" eaLnBrk="0" hangingPunct="0"/>
             <a:r>
               <a:rPr lang="en-US" sz="400">
                 <a:gradFill>
@@ -1679,7 +1663,7 @@
           <a:p>
             <a:fld id="{88CF5C58-8920-5340-87E4-AA96765D5BFA}" type="datetime1">
               <a:rPr lang="en-US" smtClean="0"/>
-              <a:t>6/10/2019</a:t>
+              <a:t>6/11/19</a:t>
             </a:fld>
             <a:endParaRPr lang="en-US" dirty="0"/>
           </a:p>
@@ -1804,7 +1788,7 @@
           <a:bodyPr/>
           <a:lstStyle/>
           <a:p>
-            <a:pPr defTabSz="966294" eaLnBrk="0" hangingPunct="0"/>
+            <a:pPr defTabSz="914099" eaLnBrk="0" hangingPunct="0"/>
             <a:r>
               <a:rPr lang="en-US" sz="400">
                 <a:gradFill>
@@ -1826,7 +1810,7 @@
             </a:r>
           </a:p>
           <a:p>
-            <a:pPr defTabSz="966294" eaLnBrk="0" hangingPunct="0"/>
+            <a:pPr defTabSz="914099" eaLnBrk="0" hangingPunct="0"/>
             <a:r>
               <a:rPr lang="en-US" sz="400">
                 <a:gradFill>
@@ -1882,7 +1866,7 @@
           <a:p>
             <a:fld id="{2E78417D-D831-3149-81FB-4412A9D9D9EA}" type="datetime1">
               <a:rPr lang="en-US" smtClean="0"/>
-              <a:t>6/10/2019</a:t>
+              <a:t>6/11/19</a:t>
             </a:fld>
             <a:endParaRPr lang="en-US" dirty="0"/>
           </a:p>
@@ -2007,7 +1991,7 @@
           <a:bodyPr/>
           <a:lstStyle/>
           <a:p>
-            <a:pPr defTabSz="966294" eaLnBrk="0" hangingPunct="0"/>
+            <a:pPr defTabSz="914099" eaLnBrk="0" hangingPunct="0"/>
             <a:r>
               <a:rPr lang="en-US" sz="400">
                 <a:gradFill>
@@ -2029,7 +2013,7 @@
             </a:r>
           </a:p>
           <a:p>
-            <a:pPr defTabSz="966294" eaLnBrk="0" hangingPunct="0"/>
+            <a:pPr defTabSz="914099" eaLnBrk="0" hangingPunct="0"/>
             <a:r>
               <a:rPr lang="en-US" sz="400">
                 <a:gradFill>
@@ -2085,7 +2069,7 @@
           <a:p>
             <a:fld id="{A40AB584-262F-C941-90EB-DE58EC429993}" type="datetime1">
               <a:rPr lang="en-US" smtClean="0"/>
-              <a:t>6/10/2019</a:t>
+              <a:t>6/11/19</a:t>
             </a:fld>
             <a:endParaRPr lang="en-US" dirty="0"/>
           </a:p>
@@ -2210,7 +2194,7 @@
           <a:bodyPr/>
           <a:lstStyle/>
           <a:p>
-            <a:pPr defTabSz="966294" eaLnBrk="0" hangingPunct="0"/>
+            <a:pPr defTabSz="914099" eaLnBrk="0" hangingPunct="0"/>
             <a:r>
               <a:rPr lang="en-US" sz="400">
                 <a:gradFill>
@@ -2232,7 +2216,7 @@
             </a:r>
           </a:p>
           <a:p>
-            <a:pPr defTabSz="966294" eaLnBrk="0" hangingPunct="0"/>
+            <a:pPr defTabSz="914099" eaLnBrk="0" hangingPunct="0"/>
             <a:r>
               <a:rPr lang="en-US" sz="400">
                 <a:gradFill>
@@ -2288,7 +2272,7 @@
           <a:p>
             <a:fld id="{3431E417-7B3F-7140-A6E3-2413BC0EF3AE}" type="datetime1">
               <a:rPr lang="en-US" smtClean="0"/>
-              <a:t>6/10/2019</a:t>
+              <a:t>6/11/19</a:t>
             </a:fld>
             <a:endParaRPr lang="en-US" dirty="0"/>
           </a:p>
@@ -2413,7 +2397,7 @@
           <a:bodyPr/>
           <a:lstStyle/>
           <a:p>
-            <a:pPr defTabSz="966294" eaLnBrk="0" hangingPunct="0"/>
+            <a:pPr defTabSz="914099" eaLnBrk="0" hangingPunct="0"/>
             <a:r>
               <a:rPr lang="en-US" sz="400">
                 <a:gradFill>
@@ -2435,7 +2419,7 @@
             </a:r>
           </a:p>
           <a:p>
-            <a:pPr defTabSz="966294" eaLnBrk="0" hangingPunct="0"/>
+            <a:pPr defTabSz="914099" eaLnBrk="0" hangingPunct="0"/>
             <a:r>
               <a:rPr lang="en-US" sz="400">
                 <a:gradFill>
@@ -2491,7 +2475,7 @@
           <a:p>
             <a:fld id="{C5F982DC-979A-754C-8344-48D9C9F14C14}" type="datetime1">
               <a:rPr lang="en-US" smtClean="0"/>
-              <a:t>6/10/2019</a:t>
+              <a:t>6/11/19</a:t>
             </a:fld>
             <a:endParaRPr lang="en-US" dirty="0"/>
           </a:p>
@@ -23986,8 +23970,8 @@
         </p:nvSpPr>
         <p:spPr>
           <a:xfrm>
-            <a:off x="273455" y="1135062"/>
-            <a:ext cx="11889564" cy="7183505"/>
+            <a:off x="274639" y="1212849"/>
+            <a:ext cx="11889564" cy="7035772"/>
           </a:xfrm>
         </p:spPr>
         <p:txBody>
@@ -24040,18 +24024,14 @@
               </a:rPr>
               <a:t>) currently published with new features and data dictionary yearly</a:t>
             </a:r>
-            <a:br>
-              <a:rPr lang="en-US" sz="2800" dirty="0">
-                <a:solidFill>
-                  <a:schemeClr val="accent1"/>
-                </a:solidFill>
-              </a:rPr>
-            </a:br>
-            <a:endParaRPr lang="en-US" sz="2800" dirty="0">
-              <a:solidFill>
-                <a:schemeClr val="accent1"/>
-              </a:solidFill>
-            </a:endParaRPr>
+          </a:p>
+          <a:p>
+            <a:pPr>
+              <a:buClr>
+                <a:schemeClr val="tx2"/>
+              </a:buClr>
+            </a:pPr>
+            <a:endParaRPr lang="en-US" sz="2000" b="1" dirty="0"/>
           </a:p>
           <a:p>
             <a:pPr>
@@ -24084,14 +24064,14 @@
               </a:rPr>
               <a:t>Currently using defaults, could improve accuracy &gt; 65%</a:t>
             </a:r>
-            <a:br>
-              <a:rPr lang="en-US" sz="2800" dirty="0">
-                <a:solidFill>
-                  <a:schemeClr val="accent1"/>
-                </a:solidFill>
-              </a:rPr>
-            </a:br>
-            <a:endParaRPr lang="en-US" sz="2800" dirty="0">
+          </a:p>
+          <a:p>
+            <a:pPr>
+              <a:buClr>
+                <a:schemeClr val="tx2"/>
+              </a:buClr>
+            </a:pPr>
+            <a:endParaRPr lang="en-US" sz="2000" b="1" dirty="0">
               <a:solidFill>
                 <a:schemeClr val="accent1"/>
               </a:solidFill>
@@ -24126,7 +24106,7 @@
                 <a:schemeClr val="tx2"/>
               </a:buClr>
             </a:pPr>
-            <a:endParaRPr lang="en-US" sz="2800" dirty="0"/>
+            <a:endParaRPr lang="en-US" sz="2000" dirty="0"/>
           </a:p>
           <a:p>
             <a:pPr>
@@ -24136,16 +24116,20 @@
             </a:pPr>
             <a:r>
               <a:rPr lang="en-US" sz="2800" b="1" dirty="0"/>
-              <a:t>Improve method</a:t>
+              <a:t>Improve method </a:t>
             </a:r>
             <a:r>
               <a:rPr lang="en-US" sz="2800" dirty="0"/>
-              <a:t> to generate random samples</a:t>
-            </a:r>
-            <a:br>
-              <a:rPr lang="en-US" sz="2800" dirty="0"/>
-            </a:br>
-            <a:endParaRPr lang="en-US" sz="2800" dirty="0"/>
+              <a:t>of generating random samples</a:t>
+            </a:r>
+          </a:p>
+          <a:p>
+            <a:pPr>
+              <a:buClr>
+                <a:schemeClr val="tx2"/>
+              </a:buClr>
+            </a:pPr>
+            <a:endParaRPr lang="en-US" sz="2000" b="1" dirty="0"/>
           </a:p>
           <a:p>
             <a:pPr>
@@ -25466,7 +25450,7 @@
         <p:spPr>
           <a:xfrm>
             <a:off x="274639" y="1212849"/>
-            <a:ext cx="11889564" cy="5416868"/>
+            <a:ext cx="11889564" cy="5620000"/>
           </a:xfrm>
         </p:spPr>
         <p:txBody>
@@ -25597,7 +25581,7 @@
             </a:br>
             <a:r>
               <a:rPr lang="en-US" sz="2800" b="1" dirty="0"/>
-              <a:t>Analysis/verification</a:t>
+              <a:t>Install</a:t>
             </a:r>
           </a:p>
           <a:p>
@@ -25609,8 +25593,12 @@
               <a:buChar char="•"/>
             </a:pPr>
             <a:r>
+              <a:rPr lang="en-US" sz="2800" dirty="0" err="1"/>
+              <a:t>PyPI</a:t>
+            </a:r>
+            <a:r>
               <a:rPr lang="en-US" sz="2800" dirty="0"/>
-              <a:t>Comparison to decision trees</a:t>
+              <a:t> package</a:t>
             </a:r>
             <a:br>
               <a:rPr lang="en-US" sz="2000" dirty="0"/>
@@ -26020,10 +26008,10 @@
       </p:sp>
       <p:pic>
         <p:nvPicPr>
-          <p:cNvPr id="5" name="Picture 4" descr="A screenshot of a cell phone&#10;&#10;Description automatically generated">
+          <p:cNvPr id="8" name="Picture 7" descr="A screenshot of a cell phone&#10;&#10;Description automatically generated">
             <a:extLst>
               <a:ext uri="{FF2B5EF4-FFF2-40B4-BE49-F238E27FC236}">
-                <a16:creationId xmlns:a16="http://schemas.microsoft.com/office/drawing/2014/main" id="{CB707451-7074-F14F-AE28-3B0D2A2FFBC7}"/>
+                <a16:creationId xmlns:a16="http://schemas.microsoft.com/office/drawing/2014/main" id="{52D39354-0355-2B4D-AD29-03E5EBD7D3C1}"/>
               </a:ext>
             </a:extLst>
           </p:cNvPr>
@@ -26040,8 +26028,8 @@
         </p:blipFill>
         <p:spPr>
           <a:xfrm>
-            <a:off x="0" y="1516062"/>
-            <a:ext cx="12436475" cy="4761754"/>
+            <a:off x="147828" y="1516062"/>
+            <a:ext cx="12140817" cy="4724400"/>
           </a:xfrm>
           <a:prstGeom prst="rect">
             <a:avLst/>
